--- a/documents/Value_Proposition_Canvas.pptx
+++ b/documents/Value_Proposition_Canvas.pptx
@@ -6,6 +6,7 @@
   </p:sldMasterIdLst>
   <p:sldIdLst>
     <p:sldId id="256" r:id="rId2"/>
+    <p:sldId id="257" r:id="rId3"/>
   </p:sldIdLst>
   <p:sldSz cx="9906000" cy="6858000" type="A4"/>
   <p:notesSz cx="6858000" cy="9144000"/>
@@ -115,7 +116,7 @@
 <file path=ppt/revisionInfo.xml><?xml version="1.0" encoding="utf-8"?>
 <p1510:revInfo xmlns:a="http://schemas.openxmlformats.org/drawingml/2006/main" xmlns:r="http://schemas.openxmlformats.org/officeDocument/2006/relationships" xmlns:p1510="http://schemas.microsoft.com/office/powerpoint/2015/10/main">
   <p1510:revLst>
-    <p1510:client id="{8A8362AC-CFFB-4B48-A82F-D68CF69449D3}" v="37" dt="2019-12-02T20:03:12.893"/>
+    <p1510:client id="{B339D9BD-396A-40F8-86AC-921D76FA40DF}" v="1" dt="2019-12-05T09:25:42.373"/>
   </p1510:revLst>
 </p1510:revInfo>
 </file>
@@ -344,146 +345,202 @@
           </ac:spMkLst>
         </pc:spChg>
       </pc:sldChg>
-      <pc:sldChg chg="addSp delSp modSp add del">
-        <pc:chgData name="Gjonson Pjetri" userId="236d94e22aae1bda" providerId="LiveId" clId="{8A8362AC-CFFB-4B48-A82F-D68CF69449D3}" dt="2019-12-02T20:57:07.544" v="1476" actId="2696"/>
+    </pc:docChg>
+  </pc:docChgLst>
+  <pc:docChgLst>
+    <pc:chgData name="Gjonson Pjetri" userId="236d94e22aae1bda" providerId="LiveId" clId="{B339D9BD-396A-40F8-86AC-921D76FA40DF}"/>
+    <pc:docChg chg="undo redo custSel addSld modSld">
+      <pc:chgData name="Gjonson Pjetri" userId="236d94e22aae1bda" providerId="LiveId" clId="{B339D9BD-396A-40F8-86AC-921D76FA40DF}" dt="2019-12-11T18:12:11.266" v="577" actId="1076"/>
+      <pc:docMkLst>
+        <pc:docMk/>
+      </pc:docMkLst>
+      <pc:sldChg chg="modSp">
+        <pc:chgData name="Gjonson Pjetri" userId="236d94e22aae1bda" providerId="LiveId" clId="{B339D9BD-396A-40F8-86AC-921D76FA40DF}" dt="2019-12-11T14:42:05.170" v="454" actId="20577"/>
         <pc:sldMkLst>
           <pc:docMk/>
-          <pc:sldMk cId="3440285807" sldId="257"/>
+          <pc:sldMk cId="2618938606" sldId="256"/>
         </pc:sldMkLst>
         <pc:spChg chg="mod">
-          <ac:chgData name="Gjonson Pjetri" userId="236d94e22aae1bda" providerId="LiveId" clId="{8A8362AC-CFFB-4B48-A82F-D68CF69449D3}" dt="2019-11-22T16:17:24.969" v="585" actId="20577"/>
+          <ac:chgData name="Gjonson Pjetri" userId="236d94e22aae1bda" providerId="LiveId" clId="{B339D9BD-396A-40F8-86AC-921D76FA40DF}" dt="2019-12-11T14:42:05.170" v="454" actId="20577"/>
           <ac:spMkLst>
             <pc:docMk/>
-            <pc:sldMk cId="3440285807" sldId="257"/>
+            <pc:sldMk cId="2618938606" sldId="256"/>
+            <ac:spMk id="27" creationId="{9EE001E7-DB64-4062-8D85-324476ACED04}"/>
+          </ac:spMkLst>
+        </pc:spChg>
+      </pc:sldChg>
+      <pc:sldChg chg="addSp delSp modSp add">
+        <pc:chgData name="Gjonson Pjetri" userId="236d94e22aae1bda" providerId="LiveId" clId="{B339D9BD-396A-40F8-86AC-921D76FA40DF}" dt="2019-12-11T18:12:11.266" v="577" actId="1076"/>
+        <pc:sldMkLst>
+          <pc:docMk/>
+          <pc:sldMk cId="558732876" sldId="257"/>
+        </pc:sldMkLst>
+        <pc:spChg chg="mod">
+          <ac:chgData name="Gjonson Pjetri" userId="236d94e22aae1bda" providerId="LiveId" clId="{B339D9BD-396A-40F8-86AC-921D76FA40DF}" dt="2019-12-05T09:45:32.313" v="182" actId="20577"/>
+          <ac:spMkLst>
+            <pc:docMk/>
+            <pc:sldMk cId="558732876" sldId="257"/>
             <ac:spMk id="2" creationId="{FB82E0AA-F380-4042-A347-B92012E4B8BF}"/>
           </ac:spMkLst>
         </pc:spChg>
-        <pc:spChg chg="del mod">
-          <ac:chgData name="Gjonson Pjetri" userId="236d94e22aae1bda" providerId="LiveId" clId="{8A8362AC-CFFB-4B48-A82F-D68CF69449D3}" dt="2019-12-02T20:00:17.746" v="1328" actId="478"/>
+        <pc:spChg chg="del">
+          <ac:chgData name="Gjonson Pjetri" userId="236d94e22aae1bda" providerId="LiveId" clId="{B339D9BD-396A-40F8-86AC-921D76FA40DF}" dt="2019-12-05T09:27:07.772" v="44" actId="478"/>
           <ac:spMkLst>
             <pc:docMk/>
-            <pc:sldMk cId="3440285807" sldId="257"/>
+            <pc:sldMk cId="558732876" sldId="257"/>
             <ac:spMk id="3" creationId="{B73B380F-C77C-411D-8B96-66031949992A}"/>
           </ac:spMkLst>
         </pc:spChg>
         <pc:spChg chg="mod">
-          <ac:chgData name="Gjonson Pjetri" userId="236d94e22aae1bda" providerId="LiveId" clId="{8A8362AC-CFFB-4B48-A82F-D68CF69449D3}" dt="2019-11-22T16:09:39.445" v="370" actId="20577"/>
+          <ac:chgData name="Gjonson Pjetri" userId="236d94e22aae1bda" providerId="LiveId" clId="{B339D9BD-396A-40F8-86AC-921D76FA40DF}" dt="2019-12-05T09:27:15.002" v="47" actId="1076"/>
           <ac:spMkLst>
             <pc:docMk/>
-            <pc:sldMk cId="3440285807" sldId="257"/>
+            <pc:sldMk cId="558732876" sldId="257"/>
             <ac:spMk id="4" creationId="{00000000-0000-0000-0000-000000000000}"/>
           </ac:spMkLst>
         </pc:spChg>
         <pc:spChg chg="mod">
-          <ac:chgData name="Gjonson Pjetri" userId="236d94e22aae1bda" providerId="LiveId" clId="{8A8362AC-CFFB-4B48-A82F-D68CF69449D3}" dt="2019-12-02T20:00:22.538" v="1330" actId="1076"/>
+          <ac:chgData name="Gjonson Pjetri" userId="236d94e22aae1bda" providerId="LiveId" clId="{B339D9BD-396A-40F8-86AC-921D76FA40DF}" dt="2019-12-05T09:27:11.301" v="46" actId="1076"/>
           <ac:spMkLst>
             <pc:docMk/>
-            <pc:sldMk cId="3440285807" sldId="257"/>
+            <pc:sldMk cId="558732876" sldId="257"/>
             <ac:spMk id="5" creationId="{B1864D10-87C2-4A1B-A1FB-61B94FE55E04}"/>
           </ac:spMkLst>
         </pc:spChg>
-        <pc:spChg chg="mod">
-          <ac:chgData name="Gjonson Pjetri" userId="236d94e22aae1bda" providerId="LiveId" clId="{8A8362AC-CFFB-4B48-A82F-D68CF69449D3}" dt="2019-12-02T20:00:20.319" v="1329" actId="1076"/>
+        <pc:spChg chg="del">
+          <ac:chgData name="Gjonson Pjetri" userId="236d94e22aae1bda" providerId="LiveId" clId="{B339D9BD-396A-40F8-86AC-921D76FA40DF}" dt="2019-12-05T09:27:08.796" v="45" actId="478"/>
           <ac:spMkLst>
             <pc:docMk/>
-            <pc:sldMk cId="3440285807" sldId="257"/>
+            <pc:sldMk cId="558732876" sldId="257"/>
             <ac:spMk id="6" creationId="{476E489A-7435-4833-A73A-3C4730A2B5B8}"/>
           </ac:spMkLst>
         </pc:spChg>
         <pc:spChg chg="mod">
-          <ac:chgData name="Gjonson Pjetri" userId="236d94e22aae1bda" providerId="LiveId" clId="{8A8362AC-CFFB-4B48-A82F-D68CF69449D3}" dt="2019-11-22T18:12:08.339" v="1204" actId="5793"/>
+          <ac:chgData name="Gjonson Pjetri" userId="236d94e22aae1bda" providerId="LiveId" clId="{B339D9BD-396A-40F8-86AC-921D76FA40DF}" dt="2019-12-05T09:28:08.212" v="86" actId="20577"/>
           <ac:spMkLst>
             <pc:docMk/>
-            <pc:sldMk cId="3440285807" sldId="257"/>
-            <ac:spMk id="7" creationId="{DB1079E9-7681-4E85-9B28-8D5D047BFB82}"/>
-          </ac:spMkLst>
-        </pc:spChg>
-        <pc:spChg chg="mod">
-          <ac:chgData name="Gjonson Pjetri" userId="236d94e22aae1bda" providerId="LiveId" clId="{8A8362AC-CFFB-4B48-A82F-D68CF69449D3}" dt="2019-11-22T18:12:12.501" v="1211" actId="5793"/>
-          <ac:spMkLst>
-            <pc:docMk/>
-            <pc:sldMk cId="3440285807" sldId="257"/>
-            <ac:spMk id="8" creationId="{6AC2D663-97F5-4371-9DC1-D4D0B66926EF}"/>
-          </ac:spMkLst>
-        </pc:spChg>
-        <pc:spChg chg="mod">
-          <ac:chgData name="Gjonson Pjetri" userId="236d94e22aae1bda" providerId="LiveId" clId="{8A8362AC-CFFB-4B48-A82F-D68CF69449D3}" dt="2019-11-22T18:12:17.176" v="1216" actId="20577"/>
-          <ac:spMkLst>
-            <pc:docMk/>
-            <pc:sldMk cId="3440285807" sldId="257"/>
-            <ac:spMk id="9" creationId="{FDC2FA27-076A-4928-914A-10E0E6C62D57}"/>
-          </ac:spMkLst>
-        </pc:spChg>
-        <pc:spChg chg="mod">
-          <ac:chgData name="Gjonson Pjetri" userId="236d94e22aae1bda" providerId="LiveId" clId="{8A8362AC-CFFB-4B48-A82F-D68CF69449D3}" dt="2019-11-22T16:12:09.132" v="416" actId="20577"/>
-          <ac:spMkLst>
-            <pc:docMk/>
-            <pc:sldMk cId="3440285807" sldId="257"/>
+            <pc:sldMk cId="558732876" sldId="257"/>
             <ac:spMk id="10" creationId="{E338D7F3-8249-4D67-A46F-8606B28A7DA7}"/>
           </ac:spMkLst>
         </pc:spChg>
         <pc:spChg chg="mod">
-          <ac:chgData name="Gjonson Pjetri" userId="236d94e22aae1bda" providerId="LiveId" clId="{8A8362AC-CFFB-4B48-A82F-D68CF69449D3}" dt="2019-11-22T16:16:11.607" v="525" actId="14100"/>
+          <ac:chgData name="Gjonson Pjetri" userId="236d94e22aae1bda" providerId="LiveId" clId="{B339D9BD-396A-40F8-86AC-921D76FA40DF}" dt="2019-12-11T14:42:21.460" v="455" actId="1076"/>
           <ac:spMkLst>
             <pc:docMk/>
-            <pc:sldMk cId="3440285807" sldId="257"/>
+            <pc:sldMk cId="558732876" sldId="257"/>
             <ac:spMk id="11" creationId="{1F65DF9A-58DB-4D71-BF8D-3B5C7C958F14}"/>
           </ac:spMkLst>
         </pc:spChg>
         <pc:spChg chg="mod">
-          <ac:chgData name="Gjonson Pjetri" userId="236d94e22aae1bda" providerId="LiveId" clId="{8A8362AC-CFFB-4B48-A82F-D68CF69449D3}" dt="2019-12-02T19:59:34.306" v="1326" actId="14100"/>
+          <ac:chgData name="Gjonson Pjetri" userId="236d94e22aae1bda" providerId="LiveId" clId="{B339D9BD-396A-40F8-86AC-921D76FA40DF}" dt="2019-12-05T09:50:08.677" v="228" actId="1076"/>
           <ac:spMkLst>
             <pc:docMk/>
-            <pc:sldMk cId="3440285807" sldId="257"/>
+            <pc:sldMk cId="558732876" sldId="257"/>
             <ac:spMk id="12" creationId="{E83CC62F-F42C-4D95-ADA1-3933E777606D}"/>
           </ac:spMkLst>
         </pc:spChg>
-        <pc:spChg chg="add del mod">
-          <ac:chgData name="Gjonson Pjetri" userId="236d94e22aae1bda" providerId="LiveId" clId="{8A8362AC-CFFB-4B48-A82F-D68CF69449D3}" dt="2019-11-22T18:12:01.770" v="1197" actId="1076"/>
+        <pc:spChg chg="del mod">
+          <ac:chgData name="Gjonson Pjetri" userId="236d94e22aae1bda" providerId="LiveId" clId="{B339D9BD-396A-40F8-86AC-921D76FA40DF}" dt="2019-12-11T18:09:27.918" v="553" actId="478"/>
           <ac:spMkLst>
             <pc:docMk/>
-            <pc:sldMk cId="3440285807" sldId="257"/>
-            <ac:spMk id="13" creationId="{C972EAC2-C491-4A14-97AD-BD22D5DF089B}"/>
-          </ac:spMkLst>
-        </pc:spChg>
-        <pc:spChg chg="mod">
-          <ac:chgData name="Gjonson Pjetri" userId="236d94e22aae1bda" providerId="LiveId" clId="{8A8362AC-CFFB-4B48-A82F-D68CF69449D3}" dt="2019-11-22T18:12:43.768" v="1238" actId="20577"/>
-          <ac:spMkLst>
-            <pc:docMk/>
-            <pc:sldMk cId="3440285807" sldId="257"/>
+            <pc:sldMk cId="558732876" sldId="257"/>
             <ac:spMk id="14" creationId="{89B2353D-FDFF-444F-9665-419133D9BC6E}"/>
           </ac:spMkLst>
         </pc:spChg>
         <pc:spChg chg="mod">
-          <ac:chgData name="Gjonson Pjetri" userId="236d94e22aae1bda" providerId="LiveId" clId="{8A8362AC-CFFB-4B48-A82F-D68CF69449D3}" dt="2019-11-22T16:13:08.961" v="487" actId="20577"/>
+          <ac:chgData name="Gjonson Pjetri" userId="236d94e22aae1bda" providerId="LiveId" clId="{B339D9BD-396A-40F8-86AC-921D76FA40DF}" dt="2019-12-05T09:50:06.118" v="227" actId="1076"/>
           <ac:spMkLst>
             <pc:docMk/>
-            <pc:sldMk cId="3440285807" sldId="257"/>
+            <pc:sldMk cId="558732876" sldId="257"/>
             <ac:spMk id="16" creationId="{2DBB746C-E1C5-477F-9474-F67364C67239}"/>
           </ac:spMkLst>
         </pc:spChg>
         <pc:spChg chg="add del mod">
-          <ac:chgData name="Gjonson Pjetri" userId="236d94e22aae1bda" providerId="LiveId" clId="{8A8362AC-CFFB-4B48-A82F-D68CF69449D3}" dt="2019-11-22T16:31:12.930" v="723" actId="478"/>
+          <ac:chgData name="Gjonson Pjetri" userId="236d94e22aae1bda" providerId="LiveId" clId="{B339D9BD-396A-40F8-86AC-921D76FA40DF}" dt="2019-12-11T18:09:23.006" v="552" actId="1076"/>
           <ac:spMkLst>
             <pc:docMk/>
-            <pc:sldMk cId="3440285807" sldId="257"/>
-            <ac:spMk id="17" creationId="{D1681AC0-1D3C-40C6-BABD-ADE6A11A8051}"/>
+            <pc:sldMk cId="558732876" sldId="257"/>
+            <ac:spMk id="17" creationId="{83A060B3-9141-4B39-9507-EC37A3164628}"/>
           </ac:spMkLst>
         </pc:spChg>
-        <pc:spChg chg="add mod">
-          <ac:chgData name="Gjonson Pjetri" userId="236d94e22aae1bda" providerId="LiveId" clId="{8A8362AC-CFFB-4B48-A82F-D68CF69449D3}" dt="2019-12-02T19:59:48.002" v="1327" actId="20577"/>
+        <pc:spChg chg="mod">
+          <ac:chgData name="Gjonson Pjetri" userId="236d94e22aae1bda" providerId="LiveId" clId="{B339D9BD-396A-40F8-86AC-921D76FA40DF}" dt="2019-12-11T18:09:21.157" v="551" actId="1076"/>
           <ac:spMkLst>
             <pc:docMk/>
-            <pc:sldMk cId="3440285807" sldId="257"/>
-            <ac:spMk id="18" creationId="{0907371A-0202-4304-9CBC-2CEF0D12683A}"/>
+            <pc:sldMk cId="558732876" sldId="257"/>
+            <ac:spMk id="18" creationId="{1817C129-A599-457D-9A41-6B49A2163889}"/>
           </ac:spMkLst>
         </pc:spChg>
-        <pc:spChg chg="add mod">
-          <ac:chgData name="Gjonson Pjetri" userId="236d94e22aae1bda" providerId="LiveId" clId="{8A8362AC-CFFB-4B48-A82F-D68CF69449D3}" dt="2019-11-22T18:11:55.049" v="1196" actId="1076"/>
+        <pc:spChg chg="del mod">
+          <ac:chgData name="Gjonson Pjetri" userId="236d94e22aae1bda" providerId="LiveId" clId="{B339D9BD-396A-40F8-86AC-921D76FA40DF}" dt="2019-12-11T18:09:30.396" v="555" actId="478"/>
           <ac:spMkLst>
             <pc:docMk/>
-            <pc:sldMk cId="3440285807" sldId="257"/>
-            <ac:spMk id="19" creationId="{C309B20D-B91F-4914-B9CF-3F5EE0174AC6}"/>
+            <pc:sldMk cId="558732876" sldId="257"/>
+            <ac:spMk id="19" creationId="{53F1DAEB-3C7C-478A-8621-D8A14E505FAE}"/>
+          </ac:spMkLst>
+        </pc:spChg>
+        <pc:spChg chg="mod">
+          <ac:chgData name="Gjonson Pjetri" userId="236d94e22aae1bda" providerId="LiveId" clId="{B339D9BD-396A-40F8-86AC-921D76FA40DF}" dt="2019-12-05T09:56:37.589" v="317" actId="20577"/>
+          <ac:spMkLst>
+            <pc:docMk/>
+            <pc:sldMk cId="558732876" sldId="257"/>
+            <ac:spMk id="20" creationId="{01FBBA80-91D1-49F0-9560-EE14D6998BF1}"/>
+          </ac:spMkLst>
+        </pc:spChg>
+        <pc:spChg chg="del mod">
+          <ac:chgData name="Gjonson Pjetri" userId="236d94e22aae1bda" providerId="LiveId" clId="{B339D9BD-396A-40F8-86AC-921D76FA40DF}" dt="2019-12-11T18:09:15.358" v="550" actId="478"/>
+          <ac:spMkLst>
+            <pc:docMk/>
+            <pc:sldMk cId="558732876" sldId="257"/>
+            <ac:spMk id="21" creationId="{6E0EA6FF-25A0-4E63-8C88-44EAD1633CA5}"/>
+          </ac:spMkLst>
+        </pc:spChg>
+        <pc:spChg chg="del mod">
+          <ac:chgData name="Gjonson Pjetri" userId="236d94e22aae1bda" providerId="LiveId" clId="{B339D9BD-396A-40F8-86AC-921D76FA40DF}" dt="2019-12-11T18:09:29.458" v="554" actId="478"/>
+          <ac:spMkLst>
+            <pc:docMk/>
+            <pc:sldMk cId="558732876" sldId="257"/>
+            <ac:spMk id="22" creationId="{5F07D267-F519-4A95-9E56-DBE5B8410DAF}"/>
+          </ac:spMkLst>
+        </pc:spChg>
+        <pc:spChg chg="mod">
+          <ac:chgData name="Gjonson Pjetri" userId="236d94e22aae1bda" providerId="LiveId" clId="{B339D9BD-396A-40F8-86AC-921D76FA40DF}" dt="2019-12-11T18:11:35.356" v="562" actId="1076"/>
+          <ac:spMkLst>
+            <pc:docMk/>
+            <pc:sldMk cId="558732876" sldId="257"/>
+            <ac:spMk id="23" creationId="{AEA08949-E9CE-4260-91A5-5930D238FD15}"/>
+          </ac:spMkLst>
+        </pc:spChg>
+        <pc:spChg chg="mod">
+          <ac:chgData name="Gjonson Pjetri" userId="236d94e22aae1bda" providerId="LiveId" clId="{B339D9BD-396A-40F8-86AC-921D76FA40DF}" dt="2019-12-11T18:11:32.541" v="561" actId="1076"/>
+          <ac:spMkLst>
+            <pc:docMk/>
+            <pc:sldMk cId="558732876" sldId="257"/>
+            <ac:spMk id="24" creationId="{C2474DC0-163A-4A16-9598-24FC5D864E43}"/>
+          </ac:spMkLst>
+        </pc:spChg>
+        <pc:spChg chg="mod">
+          <ac:chgData name="Gjonson Pjetri" userId="236d94e22aae1bda" providerId="LiveId" clId="{B339D9BD-396A-40F8-86AC-921D76FA40DF}" dt="2019-12-11T18:11:37.524" v="563" actId="1076"/>
+          <ac:spMkLst>
+            <pc:docMk/>
+            <pc:sldMk cId="558732876" sldId="257"/>
+            <ac:spMk id="25" creationId="{295DE4D0-F6DD-4C32-ADB2-EB6C39BAE9D0}"/>
+          </ac:spMkLst>
+        </pc:spChg>
+        <pc:spChg chg="mod">
+          <ac:chgData name="Gjonson Pjetri" userId="236d94e22aae1bda" providerId="LiveId" clId="{B339D9BD-396A-40F8-86AC-921D76FA40DF}" dt="2019-12-05T09:27:17.313" v="48" actId="1076"/>
+          <ac:spMkLst>
+            <pc:docMk/>
+            <pc:sldMk cId="558732876" sldId="257"/>
+            <ac:spMk id="26" creationId="{7B597977-05E2-4DB6-8D28-201E6478AEEE}"/>
+          </ac:spMkLst>
+        </pc:spChg>
+        <pc:spChg chg="mod">
+          <ac:chgData name="Gjonson Pjetri" userId="236d94e22aae1bda" providerId="LiveId" clId="{B339D9BD-396A-40F8-86AC-921D76FA40DF}" dt="2019-12-11T18:12:11.266" v="577" actId="1076"/>
+          <ac:spMkLst>
+            <pc:docMk/>
+            <pc:sldMk cId="558732876" sldId="257"/>
+            <ac:spMk id="27" creationId="{9EE001E7-DB64-4062-8D85-324476ACED04}"/>
           </ac:spMkLst>
         </pc:spChg>
       </pc:sldChg>
@@ -623,7 +680,7 @@
           <a:p>
             <a:fld id="{19178581-7B95-42FA-A5CE-78525375B077}" type="datetimeFigureOut">
               <a:rPr lang="de-CH" smtClean="0"/>
-              <a:t>02.12.2019</a:t>
+              <a:t>11.12.2019</a:t>
             </a:fld>
             <a:endParaRPr lang="de-CH"/>
           </a:p>
@@ -793,7 +850,7 @@
           <a:p>
             <a:fld id="{19178581-7B95-42FA-A5CE-78525375B077}" type="datetimeFigureOut">
               <a:rPr lang="de-CH" smtClean="0"/>
-              <a:t>02.12.2019</a:t>
+              <a:t>11.12.2019</a:t>
             </a:fld>
             <a:endParaRPr lang="de-CH"/>
           </a:p>
@@ -973,7 +1030,7 @@
           <a:p>
             <a:fld id="{19178581-7B95-42FA-A5CE-78525375B077}" type="datetimeFigureOut">
               <a:rPr lang="de-CH" smtClean="0"/>
-              <a:t>02.12.2019</a:t>
+              <a:t>11.12.2019</a:t>
             </a:fld>
             <a:endParaRPr lang="de-CH"/>
           </a:p>
@@ -1143,7 +1200,7 @@
           <a:p>
             <a:fld id="{19178581-7B95-42FA-A5CE-78525375B077}" type="datetimeFigureOut">
               <a:rPr lang="de-CH" smtClean="0"/>
-              <a:t>02.12.2019</a:t>
+              <a:t>11.12.2019</a:t>
             </a:fld>
             <a:endParaRPr lang="de-CH"/>
           </a:p>
@@ -1387,7 +1444,7 @@
           <a:p>
             <a:fld id="{19178581-7B95-42FA-A5CE-78525375B077}" type="datetimeFigureOut">
               <a:rPr lang="de-CH" smtClean="0"/>
-              <a:t>02.12.2019</a:t>
+              <a:t>11.12.2019</a:t>
             </a:fld>
             <a:endParaRPr lang="de-CH"/>
           </a:p>
@@ -1619,7 +1676,7 @@
           <a:p>
             <a:fld id="{19178581-7B95-42FA-A5CE-78525375B077}" type="datetimeFigureOut">
               <a:rPr lang="de-CH" smtClean="0"/>
-              <a:t>02.12.2019</a:t>
+              <a:t>11.12.2019</a:t>
             </a:fld>
             <a:endParaRPr lang="de-CH"/>
           </a:p>
@@ -1986,7 +2043,7 @@
           <a:p>
             <a:fld id="{19178581-7B95-42FA-A5CE-78525375B077}" type="datetimeFigureOut">
               <a:rPr lang="de-CH" smtClean="0"/>
-              <a:t>02.12.2019</a:t>
+              <a:t>11.12.2019</a:t>
             </a:fld>
             <a:endParaRPr lang="de-CH"/>
           </a:p>
@@ -2104,7 +2161,7 @@
           <a:p>
             <a:fld id="{19178581-7B95-42FA-A5CE-78525375B077}" type="datetimeFigureOut">
               <a:rPr lang="de-CH" smtClean="0"/>
-              <a:t>02.12.2019</a:t>
+              <a:t>11.12.2019</a:t>
             </a:fld>
             <a:endParaRPr lang="de-CH"/>
           </a:p>
@@ -2199,7 +2256,7 @@
           <a:p>
             <a:fld id="{19178581-7B95-42FA-A5CE-78525375B077}" type="datetimeFigureOut">
               <a:rPr lang="de-CH" smtClean="0"/>
-              <a:t>02.12.2019</a:t>
+              <a:t>11.12.2019</a:t>
             </a:fld>
             <a:endParaRPr lang="de-CH"/>
           </a:p>
@@ -2476,7 +2533,7 @@
           <a:p>
             <a:fld id="{19178581-7B95-42FA-A5CE-78525375B077}" type="datetimeFigureOut">
               <a:rPr lang="de-CH" smtClean="0"/>
-              <a:t>02.12.2019</a:t>
+              <a:t>11.12.2019</a:t>
             </a:fld>
             <a:endParaRPr lang="de-CH"/>
           </a:p>
@@ -2733,7 +2790,7 @@
           <a:p>
             <a:fld id="{19178581-7B95-42FA-A5CE-78525375B077}" type="datetimeFigureOut">
               <a:rPr lang="de-CH" smtClean="0"/>
-              <a:t>02.12.2019</a:t>
+              <a:t>11.12.2019</a:t>
             </a:fld>
             <a:endParaRPr lang="de-CH"/>
           </a:p>
@@ -2946,7 +3003,7 @@
           <a:p>
             <a:fld id="{19178581-7B95-42FA-A5CE-78525375B077}" type="datetimeFigureOut">
               <a:rPr lang="de-CH" smtClean="0"/>
-              <a:t>02.12.2019</a:t>
+              <a:t>11.12.2019</a:t>
             </a:fld>
             <a:endParaRPr lang="de-CH"/>
           </a:p>
@@ -7932,6 +7989,14 @@
               </a:rPr>
               <a:t> </a:t>
             </a:r>
+            <a:br>
+              <a:rPr lang="en-CH" sz="1000" dirty="0">
+                <a:solidFill>
+                  <a:srgbClr val="003399"/>
+                </a:solidFill>
+                <a:latin typeface="Segoe Print" panose="02000600000000000000" pitchFamily="2" charset="0"/>
+              </a:rPr>
+            </a:br>
             <a:r>
               <a:rPr lang="de-CH" sz="1000" dirty="0">
                 <a:solidFill>
@@ -8091,7 +8156,25 @@
                 </a:solidFill>
                 <a:latin typeface="Segoe Print" panose="02000600000000000000" pitchFamily="2" charset="0"/>
               </a:rPr>
-              <a:t>oppening</a:t>
+              <a:t>oppen</a:t>
+            </a:r>
+            <a:r>
+              <a:rPr lang="de-CH" sz="1000" dirty="0">
+                <a:solidFill>
+                  <a:srgbClr val="003399"/>
+                </a:solidFill>
+                <a:latin typeface="Segoe Print" panose="02000600000000000000" pitchFamily="2" charset="0"/>
+              </a:rPr>
+              <a:t>n</a:t>
+            </a:r>
+            <a:r>
+              <a:rPr lang="en-CH" sz="1000" dirty="0" err="1">
+                <a:solidFill>
+                  <a:srgbClr val="003399"/>
+                </a:solidFill>
+                <a:latin typeface="Segoe Print" panose="02000600000000000000" pitchFamily="2" charset="0"/>
+              </a:rPr>
+              <a:t>ing</a:t>
             </a:r>
             <a:r>
               <a:rPr lang="en-CH" sz="1000" dirty="0">
@@ -8115,6 +8198,3735 @@
     <p:extLst>
       <p:ext uri="{BB962C8B-B14F-4D97-AF65-F5344CB8AC3E}">
         <p14:creationId xmlns:p14="http://schemas.microsoft.com/office/powerpoint/2010/main" val="2618938606"/>
+      </p:ext>
+    </p:extLst>
+  </p:cSld>
+  <p:clrMapOvr>
+    <a:masterClrMapping/>
+  </p:clrMapOvr>
+</p:sld>
+</file>
+
+<file path=ppt/slides/slide2.xml><?xml version="1.0" encoding="utf-8"?>
+<p:sld xmlns:a="http://schemas.openxmlformats.org/drawingml/2006/main" xmlns:r="http://schemas.openxmlformats.org/officeDocument/2006/relationships" xmlns:p="http://schemas.openxmlformats.org/presentationml/2006/main">
+  <p:cSld>
+    <p:spTree>
+      <p:nvGrpSpPr>
+        <p:cNvPr id="1" name=""/>
+        <p:cNvGrpSpPr/>
+        <p:nvPr/>
+      </p:nvGrpSpPr>
+      <p:grpSpPr>
+        <a:xfrm>
+          <a:off x="0" y="0"/>
+          <a:ext cx="0" cy="0"/>
+          <a:chOff x="0" y="0"/>
+          <a:chExt cx="0" cy="0"/>
+        </a:xfrm>
+      </p:grpSpPr>
+      <p:sp>
+        <p:nvSpPr>
+          <p:cNvPr id="4" name="TextBox 3"/>
+          <p:cNvSpPr txBox="1"/>
+          <p:nvPr/>
+        </p:nvSpPr>
+        <p:spPr>
+          <a:xfrm>
+            <a:off x="8225966" y="3706855"/>
+            <a:ext cx="1157469" cy="548756"/>
+          </a:xfrm>
+          <a:prstGeom prst="foldedCorner">
+            <a:avLst/>
+          </a:prstGeom>
+          <a:solidFill>
+            <a:srgbClr val="FFFF99"/>
+          </a:solidFill>
+        </p:spPr>
+        <p:txBody>
+          <a:bodyPr wrap="square" lIns="36000" tIns="36000" rIns="36000" bIns="36000" rtlCol="0" anchor="ctr" anchorCtr="0">
+            <a:noAutofit/>
+          </a:bodyPr>
+          <a:lstStyle/>
+          <a:p>
+            <a:r>
+              <a:rPr lang="de-CH" sz="1000" dirty="0">
+                <a:solidFill>
+                  <a:srgbClr val="003399"/>
+                </a:solidFill>
+                <a:latin typeface="Segoe Print" panose="02000600000000000000" pitchFamily="2" charset="0"/>
+              </a:rPr>
+              <a:t>S</a:t>
+            </a:r>
+            <a:r>
+              <a:rPr lang="en-CH" sz="1000" dirty="0">
+                <a:solidFill>
+                  <a:srgbClr val="003399"/>
+                </a:solidFill>
+                <a:latin typeface="Segoe Print" panose="02000600000000000000" pitchFamily="2" charset="0"/>
+              </a:rPr>
+              <a:t>e</a:t>
+            </a:r>
+            <a:r>
+              <a:rPr lang="de-CH" sz="1000" dirty="0">
+                <a:solidFill>
+                  <a:srgbClr val="003399"/>
+                </a:solidFill>
+                <a:latin typeface="Segoe Print" panose="02000600000000000000" pitchFamily="2" charset="0"/>
+              </a:rPr>
+              <a:t>r</a:t>
+            </a:r>
+            <a:r>
+              <a:rPr lang="en-CH" sz="1000" dirty="0">
+                <a:solidFill>
+                  <a:srgbClr val="003399"/>
+                </a:solidFill>
+                <a:latin typeface="Segoe Print" panose="02000600000000000000" pitchFamily="2" charset="0"/>
+              </a:rPr>
+              <a:t>v</a:t>
+            </a:r>
+            <a:r>
+              <a:rPr lang="de-CH" sz="1000" dirty="0">
+                <a:solidFill>
+                  <a:srgbClr val="003399"/>
+                </a:solidFill>
+                <a:latin typeface="Segoe Print" panose="02000600000000000000" pitchFamily="2" charset="0"/>
+              </a:rPr>
+              <a:t>e</a:t>
+            </a:r>
+            <a:r>
+              <a:rPr lang="en-CH" sz="1000" dirty="0">
+                <a:solidFill>
+                  <a:srgbClr val="003399"/>
+                </a:solidFill>
+                <a:latin typeface="Segoe Print" panose="02000600000000000000" pitchFamily="2" charset="0"/>
+              </a:rPr>
+              <a:t> </a:t>
+            </a:r>
+            <a:r>
+              <a:rPr lang="de-CH" sz="1000" dirty="0">
+                <a:solidFill>
+                  <a:srgbClr val="003399"/>
+                </a:solidFill>
+                <a:latin typeface="Segoe Print" panose="02000600000000000000" pitchFamily="2" charset="0"/>
+              </a:rPr>
+              <a:t>t</a:t>
+            </a:r>
+            <a:r>
+              <a:rPr lang="en-CH" sz="1000" dirty="0">
+                <a:solidFill>
+                  <a:srgbClr val="003399"/>
+                </a:solidFill>
+                <a:latin typeface="Segoe Print" panose="02000600000000000000" pitchFamily="2" charset="0"/>
+              </a:rPr>
+              <a:t>h</a:t>
+            </a:r>
+            <a:r>
+              <a:rPr lang="de-CH" sz="1000" dirty="0">
+                <a:solidFill>
+                  <a:srgbClr val="003399"/>
+                </a:solidFill>
+                <a:latin typeface="Segoe Print" panose="02000600000000000000" pitchFamily="2" charset="0"/>
+              </a:rPr>
+              <a:t>e</a:t>
+            </a:r>
+            <a:r>
+              <a:rPr lang="en-CH" sz="1000" dirty="0">
+                <a:solidFill>
+                  <a:srgbClr val="003399"/>
+                </a:solidFill>
+                <a:latin typeface="Segoe Print" panose="02000600000000000000" pitchFamily="2" charset="0"/>
+              </a:rPr>
+              <a:t> </a:t>
+            </a:r>
+            <a:r>
+              <a:rPr lang="de-CH" sz="1000" dirty="0">
+                <a:solidFill>
+                  <a:srgbClr val="003399"/>
+                </a:solidFill>
+                <a:latin typeface="Segoe Print" panose="02000600000000000000" pitchFamily="2" charset="0"/>
+              </a:rPr>
+              <a:t>M</a:t>
+            </a:r>
+            <a:r>
+              <a:rPr lang="en-CH" sz="1000" dirty="0">
+                <a:solidFill>
+                  <a:srgbClr val="003399"/>
+                </a:solidFill>
+                <a:latin typeface="Segoe Print" panose="02000600000000000000" pitchFamily="2" charset="0"/>
+              </a:rPr>
+              <a:t>e</a:t>
+            </a:r>
+            <a:r>
+              <a:rPr lang="de-CH" sz="1000" dirty="0">
+                <a:solidFill>
+                  <a:srgbClr val="003399"/>
+                </a:solidFill>
+                <a:latin typeface="Segoe Print" panose="02000600000000000000" pitchFamily="2" charset="0"/>
+              </a:rPr>
+              <a:t>a</a:t>
+            </a:r>
+            <a:r>
+              <a:rPr lang="en-CH" sz="1000" dirty="0">
+                <a:solidFill>
+                  <a:srgbClr val="003399"/>
+                </a:solidFill>
+                <a:latin typeface="Segoe Print" panose="02000600000000000000" pitchFamily="2" charset="0"/>
+              </a:rPr>
+              <a:t>l</a:t>
+            </a:r>
+            <a:endParaRPr lang="de-CH" sz="1000" dirty="0">
+              <a:solidFill>
+                <a:srgbClr val="003399"/>
+              </a:solidFill>
+              <a:latin typeface="Segoe Print" panose="02000600000000000000" pitchFamily="2" charset="0"/>
+            </a:endParaRPr>
+          </a:p>
+        </p:txBody>
+      </p:sp>
+      <p:sp>
+        <p:nvSpPr>
+          <p:cNvPr id="5" name="TextBox 4">
+            <a:extLst>
+              <a:ext uri="{FF2B5EF4-FFF2-40B4-BE49-F238E27FC236}">
+                <a16:creationId xmlns:a16="http://schemas.microsoft.com/office/drawing/2014/main" id="{B1864D10-87C2-4A1B-A1FB-61B94FE55E04}"/>
+              </a:ext>
+            </a:extLst>
+          </p:cNvPr>
+          <p:cNvSpPr txBox="1"/>
+          <p:nvPr/>
+        </p:nvSpPr>
+        <p:spPr>
+          <a:xfrm>
+            <a:off x="8343944" y="4311665"/>
+            <a:ext cx="1062269" cy="548756"/>
+          </a:xfrm>
+          <a:prstGeom prst="foldedCorner">
+            <a:avLst/>
+          </a:prstGeom>
+          <a:solidFill>
+            <a:srgbClr val="FFFF99"/>
+          </a:solidFill>
+        </p:spPr>
+        <p:txBody>
+          <a:bodyPr wrap="square" lIns="36000" tIns="36000" rIns="36000" bIns="36000" rtlCol="0" anchor="ctr" anchorCtr="0">
+            <a:noAutofit/>
+          </a:bodyPr>
+          <a:lstStyle/>
+          <a:p>
+            <a:r>
+              <a:rPr lang="de-CH" sz="1000" dirty="0">
+                <a:solidFill>
+                  <a:srgbClr val="003399"/>
+                </a:solidFill>
+                <a:latin typeface="Segoe Print" panose="02000600000000000000" pitchFamily="2" charset="0"/>
+              </a:rPr>
+              <a:t>P</a:t>
+            </a:r>
+            <a:r>
+              <a:rPr lang="en-CH" sz="1000" dirty="0">
+                <a:solidFill>
+                  <a:srgbClr val="003399"/>
+                </a:solidFill>
+                <a:latin typeface="Segoe Print" panose="02000600000000000000" pitchFamily="2" charset="0"/>
+              </a:rPr>
+              <a:t>a</a:t>
+            </a:r>
+            <a:r>
+              <a:rPr lang="de-CH" sz="1000" dirty="0">
+                <a:solidFill>
+                  <a:srgbClr val="003399"/>
+                </a:solidFill>
+                <a:latin typeface="Segoe Print" panose="02000600000000000000" pitchFamily="2" charset="0"/>
+              </a:rPr>
+              <a:t>y</a:t>
+            </a:r>
+            <a:r>
+              <a:rPr lang="en-CH" sz="1000" dirty="0">
+                <a:solidFill>
+                  <a:srgbClr val="003399"/>
+                </a:solidFill>
+                <a:latin typeface="Segoe Print" panose="02000600000000000000" pitchFamily="2" charset="0"/>
+              </a:rPr>
+              <a:t>m</a:t>
+            </a:r>
+            <a:r>
+              <a:rPr lang="de-CH" sz="1000" dirty="0">
+                <a:solidFill>
+                  <a:srgbClr val="003399"/>
+                </a:solidFill>
+                <a:latin typeface="Segoe Print" panose="02000600000000000000" pitchFamily="2" charset="0"/>
+              </a:rPr>
+              <a:t>e</a:t>
+            </a:r>
+            <a:r>
+              <a:rPr lang="en-CH" sz="1000" dirty="0">
+                <a:solidFill>
+                  <a:srgbClr val="003399"/>
+                </a:solidFill>
+                <a:latin typeface="Segoe Print" panose="02000600000000000000" pitchFamily="2" charset="0"/>
+              </a:rPr>
+              <a:t>n</a:t>
+            </a:r>
+            <a:r>
+              <a:rPr lang="de-CH" sz="1000" dirty="0">
+                <a:solidFill>
+                  <a:srgbClr val="003399"/>
+                </a:solidFill>
+                <a:latin typeface="Segoe Print" panose="02000600000000000000" pitchFamily="2" charset="0"/>
+              </a:rPr>
+              <a:t>t</a:t>
+            </a:r>
+            <a:r>
+              <a:rPr lang="en-CH" sz="1000" dirty="0">
+                <a:solidFill>
+                  <a:srgbClr val="003399"/>
+                </a:solidFill>
+                <a:latin typeface="Segoe Print" panose="02000600000000000000" pitchFamily="2" charset="0"/>
+              </a:rPr>
+              <a:t> </a:t>
+            </a:r>
+            <a:r>
+              <a:rPr lang="de-CH" sz="1000" dirty="0">
+                <a:solidFill>
+                  <a:srgbClr val="003399"/>
+                </a:solidFill>
+                <a:latin typeface="Segoe Print" panose="02000600000000000000" pitchFamily="2" charset="0"/>
+              </a:rPr>
+              <a:t>A</a:t>
+            </a:r>
+            <a:r>
+              <a:rPr lang="en-CH" sz="1000" dirty="0">
+                <a:solidFill>
+                  <a:srgbClr val="003399"/>
+                </a:solidFill>
+                <a:latin typeface="Segoe Print" panose="02000600000000000000" pitchFamily="2" charset="0"/>
+              </a:rPr>
+              <a:t>q</a:t>
+            </a:r>
+            <a:r>
+              <a:rPr lang="de-CH" sz="1000" dirty="0">
+                <a:solidFill>
+                  <a:srgbClr val="003399"/>
+                </a:solidFill>
+                <a:latin typeface="Segoe Print" panose="02000600000000000000" pitchFamily="2" charset="0"/>
+              </a:rPr>
+              <a:t>u</a:t>
+            </a:r>
+            <a:r>
+              <a:rPr lang="en-CH" sz="1000" dirty="0" err="1">
+                <a:solidFill>
+                  <a:srgbClr val="003399"/>
+                </a:solidFill>
+                <a:latin typeface="Segoe Print" panose="02000600000000000000" pitchFamily="2" charset="0"/>
+              </a:rPr>
+              <a:t>i</a:t>
+            </a:r>
+            <a:r>
+              <a:rPr lang="de-CH" sz="1000" dirty="0">
+                <a:solidFill>
+                  <a:srgbClr val="003399"/>
+                </a:solidFill>
+                <a:latin typeface="Segoe Print" panose="02000600000000000000" pitchFamily="2" charset="0"/>
+              </a:rPr>
+              <a:t>r</a:t>
+            </a:r>
+            <a:r>
+              <a:rPr lang="en-CH" sz="1000" dirty="0" err="1">
+                <a:solidFill>
+                  <a:srgbClr val="003399"/>
+                </a:solidFill>
+                <a:latin typeface="Segoe Print" panose="02000600000000000000" pitchFamily="2" charset="0"/>
+              </a:rPr>
+              <a:t>i</a:t>
+            </a:r>
+            <a:r>
+              <a:rPr lang="de-CH" sz="1000" dirty="0">
+                <a:solidFill>
+                  <a:srgbClr val="003399"/>
+                </a:solidFill>
+                <a:latin typeface="Segoe Print" panose="02000600000000000000" pitchFamily="2" charset="0"/>
+              </a:rPr>
+              <a:t>n</a:t>
+            </a:r>
+            <a:r>
+              <a:rPr lang="en-CH" sz="1000" dirty="0">
+                <a:solidFill>
+                  <a:srgbClr val="003399"/>
+                </a:solidFill>
+                <a:latin typeface="Segoe Print" panose="02000600000000000000" pitchFamily="2" charset="0"/>
+              </a:rPr>
+              <a:t>g</a:t>
+            </a:r>
+            <a:endParaRPr lang="de-CH" sz="1000" dirty="0">
+              <a:solidFill>
+                <a:srgbClr val="003399"/>
+              </a:solidFill>
+              <a:latin typeface="Segoe Print" panose="02000600000000000000" pitchFamily="2" charset="0"/>
+            </a:endParaRPr>
+          </a:p>
+        </p:txBody>
+      </p:sp>
+      <p:sp>
+        <p:nvSpPr>
+          <p:cNvPr id="2" name="TextBox 1">
+            <a:extLst>
+              <a:ext uri="{FF2B5EF4-FFF2-40B4-BE49-F238E27FC236}">
+                <a16:creationId xmlns:a16="http://schemas.microsoft.com/office/drawing/2014/main" id="{FB82E0AA-F380-4042-A347-B92012E4B8BF}"/>
+              </a:ext>
+            </a:extLst>
+          </p:cNvPr>
+          <p:cNvSpPr txBox="1"/>
+          <p:nvPr/>
+        </p:nvSpPr>
+        <p:spPr>
+          <a:xfrm>
+            <a:off x="6238875" y="828675"/>
+            <a:ext cx="2197781" cy="369332"/>
+          </a:xfrm>
+          <a:prstGeom prst="rect">
+            <a:avLst/>
+          </a:prstGeom>
+          <a:noFill/>
+        </p:spPr>
+        <p:txBody>
+          <a:bodyPr wrap="none" rtlCol="0">
+            <a:spAutoFit/>
+          </a:bodyPr>
+          <a:lstStyle/>
+          <a:p>
+            <a:r>
+              <a:rPr lang="en-CH" dirty="0"/>
+              <a:t>Restaurant (</a:t>
+            </a:r>
+            <a:r>
+              <a:rPr lang="de-CH" dirty="0"/>
+              <a:t>B</a:t>
+            </a:r>
+            <a:r>
+              <a:rPr lang="en-CH" dirty="0" err="1"/>
+              <a:t>usiness</a:t>
+            </a:r>
+            <a:r>
+              <a:rPr lang="en-CH" dirty="0"/>
+              <a:t>)</a:t>
+            </a:r>
+            <a:endParaRPr lang="de-CH" dirty="0"/>
+          </a:p>
+        </p:txBody>
+      </p:sp>
+      <p:sp>
+        <p:nvSpPr>
+          <p:cNvPr id="7" name="TextBox 6">
+            <a:extLst>
+              <a:ext uri="{FF2B5EF4-FFF2-40B4-BE49-F238E27FC236}">
+                <a16:creationId xmlns:a16="http://schemas.microsoft.com/office/drawing/2014/main" id="{DB1079E9-7681-4E85-9B28-8D5D047BFB82}"/>
+              </a:ext>
+            </a:extLst>
+          </p:cNvPr>
+          <p:cNvSpPr txBox="1"/>
+          <p:nvPr/>
+        </p:nvSpPr>
+        <p:spPr>
+          <a:xfrm>
+            <a:off x="392765" y="2558787"/>
+            <a:ext cx="1157469" cy="548756"/>
+          </a:xfrm>
+          <a:prstGeom prst="foldedCorner">
+            <a:avLst/>
+          </a:prstGeom>
+          <a:solidFill>
+            <a:srgbClr val="FFFF99"/>
+          </a:solidFill>
+        </p:spPr>
+        <p:txBody>
+          <a:bodyPr wrap="square" lIns="36000" tIns="36000" rIns="36000" bIns="36000" rtlCol="0" anchor="ctr" anchorCtr="0">
+            <a:noAutofit/>
+          </a:bodyPr>
+          <a:lstStyle/>
+          <a:p>
+            <a:r>
+              <a:rPr lang="de-CH" sz="1000" dirty="0">
+                <a:solidFill>
+                  <a:srgbClr val="003399"/>
+                </a:solidFill>
+                <a:latin typeface="Segoe Print" panose="02000600000000000000" pitchFamily="2" charset="0"/>
+              </a:rPr>
+              <a:t>S</a:t>
+            </a:r>
+            <a:r>
+              <a:rPr lang="en-CH" sz="1000" dirty="0" err="1">
+                <a:solidFill>
+                  <a:srgbClr val="003399"/>
+                </a:solidFill>
+                <a:latin typeface="Segoe Print" panose="02000600000000000000" pitchFamily="2" charset="0"/>
+              </a:rPr>
+              <a:t>i</a:t>
+            </a:r>
+            <a:r>
+              <a:rPr lang="de-CH" sz="1000" dirty="0">
+                <a:solidFill>
+                  <a:srgbClr val="003399"/>
+                </a:solidFill>
+                <a:latin typeface="Segoe Print" panose="02000600000000000000" pitchFamily="2" charset="0"/>
+              </a:rPr>
+              <a:t>m</a:t>
+            </a:r>
+            <a:r>
+              <a:rPr lang="en-CH" sz="1000" dirty="0">
+                <a:solidFill>
+                  <a:srgbClr val="003399"/>
+                </a:solidFill>
+                <a:latin typeface="Segoe Print" panose="02000600000000000000" pitchFamily="2" charset="0"/>
+              </a:rPr>
+              <a:t>m</a:t>
+            </a:r>
+            <a:r>
+              <a:rPr lang="de-CH" sz="1000" dirty="0">
+                <a:solidFill>
+                  <a:srgbClr val="003399"/>
+                </a:solidFill>
+                <a:latin typeface="Segoe Print" panose="02000600000000000000" pitchFamily="2" charset="0"/>
+              </a:rPr>
+              <a:t>e</a:t>
+            </a:r>
+            <a:r>
+              <a:rPr lang="en-CH" sz="1000" dirty="0">
+                <a:solidFill>
+                  <a:srgbClr val="003399"/>
+                </a:solidFill>
+                <a:latin typeface="Segoe Print" panose="02000600000000000000" pitchFamily="2" charset="0"/>
+              </a:rPr>
+              <a:t> (platform)</a:t>
+            </a:r>
+            <a:endParaRPr lang="de-CH" sz="1000" dirty="0">
+              <a:solidFill>
+                <a:srgbClr val="003399"/>
+              </a:solidFill>
+              <a:latin typeface="Segoe Print" panose="02000600000000000000" pitchFamily="2" charset="0"/>
+            </a:endParaRPr>
+          </a:p>
+        </p:txBody>
+      </p:sp>
+      <p:sp>
+        <p:nvSpPr>
+          <p:cNvPr id="8" name="TextBox 7">
+            <a:extLst>
+              <a:ext uri="{FF2B5EF4-FFF2-40B4-BE49-F238E27FC236}">
+                <a16:creationId xmlns:a16="http://schemas.microsoft.com/office/drawing/2014/main" id="{6AC2D663-97F5-4371-9DC1-D4D0B66926EF}"/>
+              </a:ext>
+            </a:extLst>
+          </p:cNvPr>
+          <p:cNvSpPr txBox="1"/>
+          <p:nvPr/>
+        </p:nvSpPr>
+        <p:spPr>
+          <a:xfrm>
+            <a:off x="388965" y="3750458"/>
+            <a:ext cx="1157469" cy="548756"/>
+          </a:xfrm>
+          <a:prstGeom prst="foldedCorner">
+            <a:avLst/>
+          </a:prstGeom>
+          <a:solidFill>
+            <a:srgbClr val="FFFF99"/>
+          </a:solidFill>
+        </p:spPr>
+        <p:txBody>
+          <a:bodyPr wrap="square" lIns="36000" tIns="36000" rIns="36000" bIns="36000" rtlCol="0" anchor="ctr" anchorCtr="0">
+            <a:noAutofit/>
+          </a:bodyPr>
+          <a:lstStyle/>
+          <a:p>
+            <a:r>
+              <a:rPr lang="de-CH" sz="1000" dirty="0">
+                <a:solidFill>
+                  <a:srgbClr val="003399"/>
+                </a:solidFill>
+                <a:latin typeface="Segoe Print" panose="02000600000000000000" pitchFamily="2" charset="0"/>
+              </a:rPr>
+              <a:t>S</a:t>
+            </a:r>
+            <a:r>
+              <a:rPr lang="en-CH" sz="1000" dirty="0" err="1">
+                <a:solidFill>
+                  <a:srgbClr val="003399"/>
+                </a:solidFill>
+                <a:latin typeface="Segoe Print" panose="02000600000000000000" pitchFamily="2" charset="0"/>
+              </a:rPr>
+              <a:t>i</a:t>
+            </a:r>
+            <a:r>
+              <a:rPr lang="de-CH" sz="1000" dirty="0">
+                <a:solidFill>
+                  <a:srgbClr val="003399"/>
+                </a:solidFill>
+                <a:latin typeface="Segoe Print" panose="02000600000000000000" pitchFamily="2" charset="0"/>
+              </a:rPr>
+              <a:t>m</a:t>
+            </a:r>
+            <a:r>
+              <a:rPr lang="en-CH" sz="1000" dirty="0">
+                <a:solidFill>
+                  <a:srgbClr val="003399"/>
+                </a:solidFill>
+                <a:latin typeface="Segoe Print" panose="02000600000000000000" pitchFamily="2" charset="0"/>
+              </a:rPr>
+              <a:t>m</a:t>
+            </a:r>
+            <a:r>
+              <a:rPr lang="de-CH" sz="1000" dirty="0">
+                <a:solidFill>
+                  <a:srgbClr val="003399"/>
+                </a:solidFill>
+                <a:latin typeface="Segoe Print" panose="02000600000000000000" pitchFamily="2" charset="0"/>
+              </a:rPr>
+              <a:t>e</a:t>
+            </a:r>
+            <a:r>
+              <a:rPr lang="en-CH" sz="1000" dirty="0">
+                <a:solidFill>
+                  <a:srgbClr val="003399"/>
+                </a:solidFill>
+                <a:latin typeface="Segoe Print" panose="02000600000000000000" pitchFamily="2" charset="0"/>
+              </a:rPr>
+              <a:t> (</a:t>
+            </a:r>
+            <a:r>
+              <a:rPr lang="de-CH" sz="1000" dirty="0">
+                <a:solidFill>
+                  <a:srgbClr val="003399"/>
+                </a:solidFill>
+                <a:latin typeface="Segoe Print" panose="02000600000000000000" pitchFamily="2" charset="0"/>
+              </a:rPr>
+              <a:t>a</a:t>
+            </a:r>
+            <a:r>
+              <a:rPr lang="en-CH" sz="1000" dirty="0">
+                <a:solidFill>
+                  <a:srgbClr val="003399"/>
+                </a:solidFill>
+                <a:latin typeface="Segoe Print" panose="02000600000000000000" pitchFamily="2" charset="0"/>
+              </a:rPr>
+              <a:t>p</a:t>
+            </a:r>
+            <a:r>
+              <a:rPr lang="de-CH" sz="1000" dirty="0">
+                <a:solidFill>
+                  <a:srgbClr val="003399"/>
+                </a:solidFill>
+                <a:latin typeface="Segoe Print" panose="02000600000000000000" pitchFamily="2" charset="0"/>
+              </a:rPr>
+              <a:t>p</a:t>
+            </a:r>
+            <a:r>
+              <a:rPr lang="en-CH" sz="1000" dirty="0">
+                <a:solidFill>
+                  <a:srgbClr val="003399"/>
+                </a:solidFill>
+                <a:latin typeface="Segoe Print" panose="02000600000000000000" pitchFamily="2" charset="0"/>
+              </a:rPr>
+              <a:t>)</a:t>
+            </a:r>
+            <a:endParaRPr lang="de-CH" sz="1000" dirty="0">
+              <a:solidFill>
+                <a:srgbClr val="003399"/>
+              </a:solidFill>
+              <a:latin typeface="Segoe Print" panose="02000600000000000000" pitchFamily="2" charset="0"/>
+            </a:endParaRPr>
+          </a:p>
+        </p:txBody>
+      </p:sp>
+      <p:sp>
+        <p:nvSpPr>
+          <p:cNvPr id="9" name="TextBox 8">
+            <a:extLst>
+              <a:ext uri="{FF2B5EF4-FFF2-40B4-BE49-F238E27FC236}">
+                <a16:creationId xmlns:a16="http://schemas.microsoft.com/office/drawing/2014/main" id="{FDC2FA27-076A-4928-914A-10E0E6C62D57}"/>
+              </a:ext>
+            </a:extLst>
+          </p:cNvPr>
+          <p:cNvSpPr txBox="1"/>
+          <p:nvPr/>
+        </p:nvSpPr>
+        <p:spPr>
+          <a:xfrm>
+            <a:off x="388966" y="4452205"/>
+            <a:ext cx="1157469" cy="548756"/>
+          </a:xfrm>
+          <a:prstGeom prst="foldedCorner">
+            <a:avLst/>
+          </a:prstGeom>
+          <a:solidFill>
+            <a:srgbClr val="FFFF99"/>
+          </a:solidFill>
+        </p:spPr>
+        <p:txBody>
+          <a:bodyPr wrap="square" lIns="36000" tIns="36000" rIns="36000" bIns="36000" rtlCol="0" anchor="ctr" anchorCtr="0">
+            <a:noAutofit/>
+          </a:bodyPr>
+          <a:lstStyle/>
+          <a:p>
+            <a:r>
+              <a:rPr lang="de-CH" sz="1000" dirty="0">
+                <a:solidFill>
+                  <a:srgbClr val="003399"/>
+                </a:solidFill>
+                <a:latin typeface="Segoe Print" panose="02000600000000000000" pitchFamily="2" charset="0"/>
+              </a:rPr>
+              <a:t>s</a:t>
+            </a:r>
+            <a:r>
+              <a:rPr lang="en-CH" sz="1000" dirty="0" err="1">
+                <a:solidFill>
+                  <a:srgbClr val="003399"/>
+                </a:solidFill>
+                <a:latin typeface="Segoe Print" panose="02000600000000000000" pitchFamily="2" charset="0"/>
+              </a:rPr>
+              <a:t>i</a:t>
+            </a:r>
+            <a:r>
+              <a:rPr lang="de-CH" sz="1000" dirty="0">
+                <a:solidFill>
+                  <a:srgbClr val="003399"/>
+                </a:solidFill>
+                <a:latin typeface="Segoe Print" panose="02000600000000000000" pitchFamily="2" charset="0"/>
+              </a:rPr>
+              <a:t>m</a:t>
+            </a:r>
+            <a:r>
+              <a:rPr lang="en-CH" sz="1000" dirty="0">
+                <a:solidFill>
+                  <a:srgbClr val="003399"/>
+                </a:solidFill>
+                <a:latin typeface="Segoe Print" panose="02000600000000000000" pitchFamily="2" charset="0"/>
+              </a:rPr>
+              <a:t>m</a:t>
+            </a:r>
+            <a:r>
+              <a:rPr lang="de-CH" sz="1000" dirty="0">
+                <a:solidFill>
+                  <a:srgbClr val="003399"/>
+                </a:solidFill>
+                <a:latin typeface="Segoe Print" panose="02000600000000000000" pitchFamily="2" charset="0"/>
+              </a:rPr>
+              <a:t>e</a:t>
+            </a:r>
+            <a:r>
+              <a:rPr lang="en-CH" sz="1000" dirty="0">
+                <a:solidFill>
+                  <a:srgbClr val="003399"/>
+                </a:solidFill>
+                <a:latin typeface="Segoe Print" panose="02000600000000000000" pitchFamily="2" charset="0"/>
+              </a:rPr>
+              <a:t>.com</a:t>
+            </a:r>
+            <a:endParaRPr lang="de-CH" sz="1000" dirty="0">
+              <a:solidFill>
+                <a:srgbClr val="003399"/>
+              </a:solidFill>
+              <a:latin typeface="Segoe Print" panose="02000600000000000000" pitchFamily="2" charset="0"/>
+            </a:endParaRPr>
+          </a:p>
+        </p:txBody>
+      </p:sp>
+      <p:sp>
+        <p:nvSpPr>
+          <p:cNvPr id="10" name="TextBox 9">
+            <a:extLst>
+              <a:ext uri="{FF2B5EF4-FFF2-40B4-BE49-F238E27FC236}">
+                <a16:creationId xmlns:a16="http://schemas.microsoft.com/office/drawing/2014/main" id="{E338D7F3-8249-4D67-A46F-8606B28A7DA7}"/>
+              </a:ext>
+            </a:extLst>
+          </p:cNvPr>
+          <p:cNvSpPr txBox="1"/>
+          <p:nvPr/>
+        </p:nvSpPr>
+        <p:spPr>
+          <a:xfrm>
+            <a:off x="5421966" y="3797249"/>
+            <a:ext cx="1157469" cy="771080"/>
+          </a:xfrm>
+          <a:prstGeom prst="foldedCorner">
+            <a:avLst/>
+          </a:prstGeom>
+          <a:solidFill>
+            <a:schemeClr val="accent2">
+              <a:lumMod val="60000"/>
+              <a:lumOff val="40000"/>
+            </a:schemeClr>
+          </a:solidFill>
+        </p:spPr>
+        <p:txBody>
+          <a:bodyPr wrap="square" lIns="36000" tIns="36000" rIns="36000" bIns="36000" rtlCol="0" anchor="ctr" anchorCtr="0">
+            <a:noAutofit/>
+          </a:bodyPr>
+          <a:lstStyle/>
+          <a:p>
+            <a:r>
+              <a:rPr lang="de-CH" sz="1000" dirty="0">
+                <a:solidFill>
+                  <a:srgbClr val="003399"/>
+                </a:solidFill>
+                <a:latin typeface="Segoe Print" panose="02000600000000000000" pitchFamily="2" charset="0"/>
+              </a:rPr>
+              <a:t>L</a:t>
+            </a:r>
+            <a:r>
+              <a:rPr lang="en-CH" sz="1000" dirty="0">
+                <a:solidFill>
+                  <a:srgbClr val="003399"/>
+                </a:solidFill>
+                <a:latin typeface="Segoe Print" panose="02000600000000000000" pitchFamily="2" charset="0"/>
+              </a:rPr>
+              <a:t>a</a:t>
+            </a:r>
+            <a:r>
+              <a:rPr lang="de-CH" sz="1000" dirty="0">
+                <a:solidFill>
+                  <a:srgbClr val="003399"/>
+                </a:solidFill>
+                <a:latin typeface="Segoe Print" panose="02000600000000000000" pitchFamily="2" charset="0"/>
+              </a:rPr>
+              <a:t>c</a:t>
+            </a:r>
+            <a:r>
+              <a:rPr lang="en-CH" sz="1000" dirty="0">
+                <a:solidFill>
+                  <a:srgbClr val="003399"/>
+                </a:solidFill>
+                <a:latin typeface="Segoe Print" panose="02000600000000000000" pitchFamily="2" charset="0"/>
+              </a:rPr>
+              <a:t>k of time to </a:t>
+            </a:r>
+            <a:r>
+              <a:rPr lang="de-CH" sz="1000" dirty="0">
+                <a:solidFill>
+                  <a:srgbClr val="003399"/>
+                </a:solidFill>
+                <a:latin typeface="Segoe Print" panose="02000600000000000000" pitchFamily="2" charset="0"/>
+              </a:rPr>
+              <a:t>c</a:t>
+            </a:r>
+            <a:r>
+              <a:rPr lang="en-CH" sz="1000" dirty="0">
+                <a:solidFill>
+                  <a:srgbClr val="003399"/>
+                </a:solidFill>
+                <a:latin typeface="Segoe Print" panose="02000600000000000000" pitchFamily="2" charset="0"/>
+              </a:rPr>
+              <a:t>o</a:t>
+            </a:r>
+            <a:r>
+              <a:rPr lang="de-CH" sz="1000" dirty="0">
+                <a:solidFill>
+                  <a:srgbClr val="003399"/>
+                </a:solidFill>
+                <a:latin typeface="Segoe Print" panose="02000600000000000000" pitchFamily="2" charset="0"/>
+              </a:rPr>
+              <a:t>o</a:t>
+            </a:r>
+            <a:r>
+              <a:rPr lang="en-CH" sz="1000" dirty="0">
+                <a:solidFill>
+                  <a:srgbClr val="003399"/>
+                </a:solidFill>
+                <a:latin typeface="Segoe Print" panose="02000600000000000000" pitchFamily="2" charset="0"/>
+              </a:rPr>
+              <a:t>k </a:t>
+            </a:r>
+            <a:r>
+              <a:rPr lang="de-CH" sz="1000" dirty="0">
+                <a:solidFill>
+                  <a:srgbClr val="003399"/>
+                </a:solidFill>
+                <a:latin typeface="Segoe Print" panose="02000600000000000000" pitchFamily="2" charset="0"/>
+              </a:rPr>
+              <a:t>a</a:t>
+            </a:r>
+            <a:r>
+              <a:rPr lang="en-CH" sz="1000" dirty="0">
+                <a:solidFill>
+                  <a:srgbClr val="003399"/>
+                </a:solidFill>
+                <a:latin typeface="Segoe Print" panose="02000600000000000000" pitchFamily="2" charset="0"/>
+              </a:rPr>
+              <a:t>l</a:t>
+            </a:r>
+            <a:r>
+              <a:rPr lang="de-CH" sz="1000" dirty="0">
+                <a:solidFill>
+                  <a:srgbClr val="003399"/>
+                </a:solidFill>
+                <a:latin typeface="Segoe Print" panose="02000600000000000000" pitchFamily="2" charset="0"/>
+              </a:rPr>
+              <a:t>l</a:t>
+            </a:r>
+            <a:r>
+              <a:rPr lang="en-CH" sz="1000" dirty="0">
+                <a:solidFill>
+                  <a:srgbClr val="003399"/>
+                </a:solidFill>
+                <a:latin typeface="Segoe Print" panose="02000600000000000000" pitchFamily="2" charset="0"/>
+              </a:rPr>
+              <a:t> </a:t>
+            </a:r>
+            <a:r>
+              <a:rPr lang="de-CH" sz="1000" dirty="0">
+                <a:solidFill>
+                  <a:srgbClr val="003399"/>
+                </a:solidFill>
+                <a:latin typeface="Segoe Print" panose="02000600000000000000" pitchFamily="2" charset="0"/>
+              </a:rPr>
+              <a:t>M</a:t>
+            </a:r>
+            <a:r>
+              <a:rPr lang="en-CH" sz="1000" dirty="0">
+                <a:solidFill>
+                  <a:srgbClr val="003399"/>
+                </a:solidFill>
+                <a:latin typeface="Segoe Print" panose="02000600000000000000" pitchFamily="2" charset="0"/>
+              </a:rPr>
+              <a:t>e</a:t>
+            </a:r>
+            <a:r>
+              <a:rPr lang="de-CH" sz="1000" dirty="0">
+                <a:solidFill>
+                  <a:srgbClr val="003399"/>
+                </a:solidFill>
+                <a:latin typeface="Segoe Print" panose="02000600000000000000" pitchFamily="2" charset="0"/>
+              </a:rPr>
+              <a:t>a</a:t>
+            </a:r>
+            <a:r>
+              <a:rPr lang="en-CH" sz="1000" dirty="0">
+                <a:solidFill>
+                  <a:srgbClr val="003399"/>
+                </a:solidFill>
+                <a:latin typeface="Segoe Print" panose="02000600000000000000" pitchFamily="2" charset="0"/>
+              </a:rPr>
+              <a:t>l</a:t>
+            </a:r>
+            <a:r>
+              <a:rPr lang="de-CH" sz="1000" dirty="0">
+                <a:solidFill>
+                  <a:srgbClr val="003399"/>
+                </a:solidFill>
+                <a:latin typeface="Segoe Print" panose="02000600000000000000" pitchFamily="2" charset="0"/>
+              </a:rPr>
+              <a:t>s</a:t>
+            </a:r>
+            <a:r>
+              <a:rPr lang="en-CH" sz="1000" dirty="0">
+                <a:solidFill>
+                  <a:srgbClr val="003399"/>
+                </a:solidFill>
+                <a:latin typeface="Segoe Print" panose="02000600000000000000" pitchFamily="2" charset="0"/>
+              </a:rPr>
+              <a:t> </a:t>
+            </a:r>
+            <a:r>
+              <a:rPr lang="de-CH" sz="1000" dirty="0">
+                <a:solidFill>
+                  <a:srgbClr val="003399"/>
+                </a:solidFill>
+                <a:latin typeface="Segoe Print" panose="02000600000000000000" pitchFamily="2" charset="0"/>
+              </a:rPr>
+              <a:t>i</a:t>
+            </a:r>
+            <a:r>
+              <a:rPr lang="en-CH" sz="1000" dirty="0">
+                <a:solidFill>
+                  <a:srgbClr val="003399"/>
+                </a:solidFill>
+                <a:latin typeface="Segoe Print" panose="02000600000000000000" pitchFamily="2" charset="0"/>
+              </a:rPr>
+              <a:t>n </a:t>
+            </a:r>
+            <a:r>
+              <a:rPr lang="de-CH" sz="1000" dirty="0">
+                <a:solidFill>
+                  <a:srgbClr val="003399"/>
+                </a:solidFill>
+                <a:latin typeface="Segoe Print" panose="02000600000000000000" pitchFamily="2" charset="0"/>
+              </a:rPr>
+              <a:t>a</a:t>
+            </a:r>
+            <a:r>
+              <a:rPr lang="en-CH" sz="1000" dirty="0">
+                <a:solidFill>
+                  <a:srgbClr val="003399"/>
+                </a:solidFill>
+                <a:latin typeface="Segoe Print" panose="02000600000000000000" pitchFamily="2" charset="0"/>
+              </a:rPr>
+              <a:t> </a:t>
+            </a:r>
+            <a:r>
+              <a:rPr lang="de-CH" sz="1000" dirty="0">
+                <a:solidFill>
+                  <a:srgbClr val="003399"/>
+                </a:solidFill>
+                <a:latin typeface="Segoe Print" panose="02000600000000000000" pitchFamily="2" charset="0"/>
+              </a:rPr>
+              <a:t>s</a:t>
+            </a:r>
+            <a:r>
+              <a:rPr lang="en-CH" sz="1000" dirty="0">
+                <a:solidFill>
+                  <a:srgbClr val="003399"/>
+                </a:solidFill>
+                <a:latin typeface="Segoe Print" panose="02000600000000000000" pitchFamily="2" charset="0"/>
+              </a:rPr>
+              <a:t>h</a:t>
+            </a:r>
+            <a:r>
+              <a:rPr lang="de-CH" sz="1000" dirty="0">
+                <a:solidFill>
+                  <a:srgbClr val="003399"/>
+                </a:solidFill>
+                <a:latin typeface="Segoe Print" panose="02000600000000000000" pitchFamily="2" charset="0"/>
+              </a:rPr>
+              <a:t>o</a:t>
+            </a:r>
+            <a:r>
+              <a:rPr lang="en-CH" sz="1000" dirty="0">
+                <a:solidFill>
+                  <a:srgbClr val="003399"/>
+                </a:solidFill>
+                <a:latin typeface="Segoe Print" panose="02000600000000000000" pitchFamily="2" charset="0"/>
+              </a:rPr>
+              <a:t>r</a:t>
+            </a:r>
+            <a:r>
+              <a:rPr lang="de-CH" sz="1000" dirty="0">
+                <a:solidFill>
+                  <a:srgbClr val="003399"/>
+                </a:solidFill>
+                <a:latin typeface="Segoe Print" panose="02000600000000000000" pitchFamily="2" charset="0"/>
+              </a:rPr>
+              <a:t>t</a:t>
+            </a:r>
+            <a:r>
+              <a:rPr lang="en-CH" sz="1000" dirty="0">
+                <a:solidFill>
+                  <a:srgbClr val="003399"/>
+                </a:solidFill>
+                <a:latin typeface="Segoe Print" panose="02000600000000000000" pitchFamily="2" charset="0"/>
+              </a:rPr>
+              <a:t> </a:t>
+            </a:r>
+            <a:r>
+              <a:rPr lang="de-CH" sz="1000" dirty="0">
+                <a:solidFill>
+                  <a:srgbClr val="003399"/>
+                </a:solidFill>
+                <a:latin typeface="Segoe Print" panose="02000600000000000000" pitchFamily="2" charset="0"/>
+              </a:rPr>
+              <a:t>t</a:t>
+            </a:r>
+            <a:r>
+              <a:rPr lang="en-CH" sz="1000" dirty="0">
+                <a:solidFill>
+                  <a:srgbClr val="003399"/>
+                </a:solidFill>
+                <a:latin typeface="Segoe Print" panose="02000600000000000000" pitchFamily="2" charset="0"/>
+              </a:rPr>
+              <a:t>e</a:t>
+            </a:r>
+            <a:r>
+              <a:rPr lang="de-CH" sz="1000" dirty="0">
+                <a:solidFill>
+                  <a:srgbClr val="003399"/>
+                </a:solidFill>
+                <a:latin typeface="Segoe Print" panose="02000600000000000000" pitchFamily="2" charset="0"/>
+              </a:rPr>
+              <a:t>r</a:t>
+            </a:r>
+            <a:r>
+              <a:rPr lang="en-CH" sz="1000" dirty="0">
+                <a:solidFill>
+                  <a:srgbClr val="003399"/>
+                </a:solidFill>
+                <a:latin typeface="Segoe Print" panose="02000600000000000000" pitchFamily="2" charset="0"/>
+              </a:rPr>
+              <a:t>m </a:t>
+            </a:r>
+            <a:r>
+              <a:rPr lang="de-CH" sz="1000" dirty="0">
+                <a:solidFill>
+                  <a:srgbClr val="003399"/>
+                </a:solidFill>
+                <a:latin typeface="Segoe Print" panose="02000600000000000000" pitchFamily="2" charset="0"/>
+              </a:rPr>
+              <a:t>o</a:t>
+            </a:r>
+            <a:r>
+              <a:rPr lang="en-CH" sz="1000" dirty="0">
+                <a:solidFill>
+                  <a:srgbClr val="003399"/>
+                </a:solidFill>
+                <a:latin typeface="Segoe Print" panose="02000600000000000000" pitchFamily="2" charset="0"/>
+              </a:rPr>
+              <a:t>f </a:t>
+            </a:r>
+            <a:r>
+              <a:rPr lang="de-CH" sz="1000" dirty="0">
+                <a:solidFill>
+                  <a:srgbClr val="003399"/>
+                </a:solidFill>
+                <a:latin typeface="Segoe Print" panose="02000600000000000000" pitchFamily="2" charset="0"/>
+              </a:rPr>
+              <a:t>t</a:t>
+            </a:r>
+            <a:r>
+              <a:rPr lang="en-CH" sz="1000" dirty="0" err="1">
+                <a:solidFill>
+                  <a:srgbClr val="003399"/>
+                </a:solidFill>
+                <a:latin typeface="Segoe Print" panose="02000600000000000000" pitchFamily="2" charset="0"/>
+              </a:rPr>
+              <a:t>i</a:t>
+            </a:r>
+            <a:r>
+              <a:rPr lang="de-CH" sz="1000" dirty="0">
+                <a:solidFill>
+                  <a:srgbClr val="003399"/>
+                </a:solidFill>
+                <a:latin typeface="Segoe Print" panose="02000600000000000000" pitchFamily="2" charset="0"/>
+              </a:rPr>
+              <a:t>m</a:t>
+            </a:r>
+            <a:r>
+              <a:rPr lang="en-CH" sz="1000" dirty="0">
+                <a:solidFill>
+                  <a:srgbClr val="003399"/>
+                </a:solidFill>
+                <a:latin typeface="Segoe Print" panose="02000600000000000000" pitchFamily="2" charset="0"/>
+              </a:rPr>
+              <a:t>e</a:t>
+            </a:r>
+            <a:endParaRPr lang="de-CH" sz="1000" dirty="0">
+              <a:solidFill>
+                <a:srgbClr val="003399"/>
+              </a:solidFill>
+              <a:latin typeface="Segoe Print" panose="02000600000000000000" pitchFamily="2" charset="0"/>
+            </a:endParaRPr>
+          </a:p>
+        </p:txBody>
+      </p:sp>
+      <p:sp>
+        <p:nvSpPr>
+          <p:cNvPr id="11" name="TextBox 10">
+            <a:extLst>
+              <a:ext uri="{FF2B5EF4-FFF2-40B4-BE49-F238E27FC236}">
+                <a16:creationId xmlns:a16="http://schemas.microsoft.com/office/drawing/2014/main" id="{1F65DF9A-58DB-4D71-BF8D-3B5C7C958F14}"/>
+              </a:ext>
+            </a:extLst>
+          </p:cNvPr>
+          <p:cNvSpPr txBox="1"/>
+          <p:nvPr/>
+        </p:nvSpPr>
+        <p:spPr>
+          <a:xfrm>
+            <a:off x="6710655" y="4124030"/>
+            <a:ext cx="1157469" cy="423936"/>
+          </a:xfrm>
+          <a:prstGeom prst="foldedCorner">
+            <a:avLst/>
+          </a:prstGeom>
+          <a:solidFill>
+            <a:schemeClr val="accent2">
+              <a:lumMod val="60000"/>
+              <a:lumOff val="40000"/>
+            </a:schemeClr>
+          </a:solidFill>
+        </p:spPr>
+        <p:txBody>
+          <a:bodyPr wrap="square" lIns="36000" tIns="36000" rIns="36000" bIns="36000" rtlCol="0" anchor="ctr" anchorCtr="0">
+            <a:noAutofit/>
+          </a:bodyPr>
+          <a:lstStyle/>
+          <a:p>
+            <a:r>
+              <a:rPr lang="de-CH" sz="1000" dirty="0">
+                <a:solidFill>
+                  <a:srgbClr val="003399"/>
+                </a:solidFill>
+                <a:latin typeface="Segoe Print" panose="02000600000000000000" pitchFamily="2" charset="0"/>
+              </a:rPr>
+              <a:t>L</a:t>
+            </a:r>
+            <a:r>
+              <a:rPr lang="en-CH" sz="1000" dirty="0">
+                <a:solidFill>
+                  <a:srgbClr val="003399"/>
+                </a:solidFill>
+                <a:latin typeface="Segoe Print" panose="02000600000000000000" pitchFamily="2" charset="0"/>
+              </a:rPr>
+              <a:t>a</a:t>
+            </a:r>
+            <a:r>
+              <a:rPr lang="de-CH" sz="1000" dirty="0">
+                <a:solidFill>
+                  <a:srgbClr val="003399"/>
+                </a:solidFill>
+                <a:latin typeface="Segoe Print" panose="02000600000000000000" pitchFamily="2" charset="0"/>
+              </a:rPr>
+              <a:t>c</a:t>
+            </a:r>
+            <a:r>
+              <a:rPr lang="en-CH" sz="1000" dirty="0">
+                <a:solidFill>
+                  <a:srgbClr val="003399"/>
+                </a:solidFill>
+                <a:latin typeface="Segoe Print" panose="02000600000000000000" pitchFamily="2" charset="0"/>
+              </a:rPr>
+              <a:t>k </a:t>
+            </a:r>
+            <a:r>
+              <a:rPr lang="de-CH" sz="1000" dirty="0">
+                <a:solidFill>
+                  <a:srgbClr val="003399"/>
+                </a:solidFill>
+                <a:latin typeface="Segoe Print" panose="02000600000000000000" pitchFamily="2" charset="0"/>
+              </a:rPr>
+              <a:t>o</a:t>
+            </a:r>
+            <a:r>
+              <a:rPr lang="en-CH" sz="1000" dirty="0">
+                <a:solidFill>
+                  <a:srgbClr val="003399"/>
+                </a:solidFill>
+                <a:latin typeface="Segoe Print" panose="02000600000000000000" pitchFamily="2" charset="0"/>
+              </a:rPr>
+              <a:t>f </a:t>
+            </a:r>
+            <a:r>
+              <a:rPr lang="de-CH" sz="1000" dirty="0">
+                <a:solidFill>
+                  <a:srgbClr val="003399"/>
+                </a:solidFill>
+                <a:latin typeface="Segoe Print" panose="02000600000000000000" pitchFamily="2" charset="0"/>
+              </a:rPr>
+              <a:t>C</a:t>
+            </a:r>
+            <a:r>
+              <a:rPr lang="en-CH" sz="1000" dirty="0">
+                <a:solidFill>
+                  <a:srgbClr val="003399"/>
+                </a:solidFill>
+                <a:latin typeface="Segoe Print" panose="02000600000000000000" pitchFamily="2" charset="0"/>
+              </a:rPr>
+              <a:t>u</a:t>
+            </a:r>
+            <a:r>
+              <a:rPr lang="de-CH" sz="1000" dirty="0">
+                <a:solidFill>
+                  <a:srgbClr val="003399"/>
+                </a:solidFill>
+                <a:latin typeface="Segoe Print" panose="02000600000000000000" pitchFamily="2" charset="0"/>
+              </a:rPr>
+              <a:t>s</a:t>
+            </a:r>
+            <a:r>
+              <a:rPr lang="en-CH" sz="1000" dirty="0">
+                <a:solidFill>
+                  <a:srgbClr val="003399"/>
+                </a:solidFill>
+                <a:latin typeface="Segoe Print" panose="02000600000000000000" pitchFamily="2" charset="0"/>
+              </a:rPr>
+              <a:t>t</a:t>
+            </a:r>
+            <a:r>
+              <a:rPr lang="de-CH" sz="1000" dirty="0">
+                <a:solidFill>
+                  <a:srgbClr val="003399"/>
+                </a:solidFill>
+                <a:latin typeface="Segoe Print" panose="02000600000000000000" pitchFamily="2" charset="0"/>
+              </a:rPr>
+              <a:t>o</a:t>
+            </a:r>
+            <a:r>
+              <a:rPr lang="en-CH" sz="1000" dirty="0">
+                <a:solidFill>
+                  <a:srgbClr val="003399"/>
+                </a:solidFill>
+                <a:latin typeface="Segoe Print" panose="02000600000000000000" pitchFamily="2" charset="0"/>
+              </a:rPr>
+              <a:t>m</a:t>
+            </a:r>
+            <a:r>
+              <a:rPr lang="de-CH" sz="1000" dirty="0">
+                <a:solidFill>
+                  <a:srgbClr val="003399"/>
+                </a:solidFill>
+                <a:latin typeface="Segoe Print" panose="02000600000000000000" pitchFamily="2" charset="0"/>
+              </a:rPr>
+              <a:t>e</a:t>
+            </a:r>
+            <a:r>
+              <a:rPr lang="en-CH" sz="1000" dirty="0">
+                <a:solidFill>
+                  <a:srgbClr val="003399"/>
+                </a:solidFill>
+                <a:latin typeface="Segoe Print" panose="02000600000000000000" pitchFamily="2" charset="0"/>
+              </a:rPr>
+              <a:t>r</a:t>
+            </a:r>
+            <a:r>
+              <a:rPr lang="de-CH" sz="1000" dirty="0">
+                <a:solidFill>
+                  <a:srgbClr val="003399"/>
+                </a:solidFill>
+                <a:latin typeface="Segoe Print" panose="02000600000000000000" pitchFamily="2" charset="0"/>
+              </a:rPr>
+              <a:t>s</a:t>
+            </a:r>
+          </a:p>
+        </p:txBody>
+      </p:sp>
+      <p:sp>
+        <p:nvSpPr>
+          <p:cNvPr id="12" name="TextBox 11">
+            <a:extLst>
+              <a:ext uri="{FF2B5EF4-FFF2-40B4-BE49-F238E27FC236}">
+                <a16:creationId xmlns:a16="http://schemas.microsoft.com/office/drawing/2014/main" id="{E83CC62F-F42C-4D95-ADA1-3933E777606D}"/>
+              </a:ext>
+            </a:extLst>
+          </p:cNvPr>
+          <p:cNvSpPr txBox="1"/>
+          <p:nvPr/>
+        </p:nvSpPr>
+        <p:spPr>
+          <a:xfrm>
+            <a:off x="7274158" y="5000961"/>
+            <a:ext cx="1298054" cy="685464"/>
+          </a:xfrm>
+          <a:prstGeom prst="foldedCorner">
+            <a:avLst/>
+          </a:prstGeom>
+          <a:solidFill>
+            <a:schemeClr val="accent2">
+              <a:lumMod val="60000"/>
+              <a:lumOff val="40000"/>
+            </a:schemeClr>
+          </a:solidFill>
+        </p:spPr>
+        <p:txBody>
+          <a:bodyPr wrap="square" lIns="36000" tIns="36000" rIns="36000" bIns="36000" rtlCol="0" anchor="ctr" anchorCtr="0">
+            <a:noAutofit/>
+          </a:bodyPr>
+          <a:lstStyle/>
+          <a:p>
+            <a:r>
+              <a:rPr lang="en-CH" sz="1000" dirty="0">
+                <a:solidFill>
+                  <a:srgbClr val="003399"/>
+                </a:solidFill>
+                <a:latin typeface="Segoe Print" panose="02000600000000000000" pitchFamily="2" charset="0"/>
+              </a:rPr>
+              <a:t>Paying for t</a:t>
+            </a:r>
+            <a:r>
+              <a:rPr lang="de-CH" sz="1000" dirty="0">
+                <a:solidFill>
+                  <a:srgbClr val="003399"/>
+                </a:solidFill>
+                <a:latin typeface="Segoe Print" panose="02000600000000000000" pitchFamily="2" charset="0"/>
+              </a:rPr>
+              <a:t>o</a:t>
+            </a:r>
+            <a:r>
+              <a:rPr lang="en-CH" sz="1000" dirty="0">
+                <a:solidFill>
+                  <a:srgbClr val="003399"/>
+                </a:solidFill>
+                <a:latin typeface="Segoe Print" panose="02000600000000000000" pitchFamily="2" charset="0"/>
+              </a:rPr>
+              <a:t>o </a:t>
+            </a:r>
+            <a:r>
+              <a:rPr lang="de-CH" sz="1000" dirty="0">
+                <a:solidFill>
+                  <a:srgbClr val="003399"/>
+                </a:solidFill>
+                <a:latin typeface="Segoe Print" panose="02000600000000000000" pitchFamily="2" charset="0"/>
+              </a:rPr>
+              <a:t>m</a:t>
+            </a:r>
+            <a:r>
+              <a:rPr lang="en-CH" sz="1000" dirty="0">
+                <a:solidFill>
+                  <a:srgbClr val="003399"/>
+                </a:solidFill>
+                <a:latin typeface="Segoe Print" panose="02000600000000000000" pitchFamily="2" charset="0"/>
+              </a:rPr>
+              <a:t>a</a:t>
+            </a:r>
+            <a:r>
+              <a:rPr lang="de-CH" sz="1000" dirty="0">
+                <a:solidFill>
+                  <a:srgbClr val="003399"/>
+                </a:solidFill>
+                <a:latin typeface="Segoe Print" panose="02000600000000000000" pitchFamily="2" charset="0"/>
+              </a:rPr>
+              <a:t>n</a:t>
+            </a:r>
+            <a:r>
+              <a:rPr lang="en-CH" sz="1000" dirty="0">
+                <a:solidFill>
+                  <a:srgbClr val="003399"/>
+                </a:solidFill>
+                <a:latin typeface="Segoe Print" panose="02000600000000000000" pitchFamily="2" charset="0"/>
+              </a:rPr>
+              <a:t>y </a:t>
+            </a:r>
+            <a:r>
+              <a:rPr lang="de-CH" sz="1000" dirty="0">
+                <a:solidFill>
+                  <a:srgbClr val="003399"/>
+                </a:solidFill>
+                <a:latin typeface="Segoe Print" panose="02000600000000000000" pitchFamily="2" charset="0"/>
+              </a:rPr>
+              <a:t>u</a:t>
+            </a:r>
+            <a:r>
+              <a:rPr lang="en-CH" sz="1000" dirty="0">
+                <a:solidFill>
+                  <a:srgbClr val="003399"/>
+                </a:solidFill>
+                <a:latin typeface="Segoe Print" panose="02000600000000000000" pitchFamily="2" charset="0"/>
+              </a:rPr>
+              <a:t>n</a:t>
+            </a:r>
+            <a:r>
+              <a:rPr lang="de-CH" sz="1000" dirty="0">
+                <a:solidFill>
+                  <a:srgbClr val="003399"/>
+                </a:solidFill>
+                <a:latin typeface="Segoe Print" panose="02000600000000000000" pitchFamily="2" charset="0"/>
+              </a:rPr>
+              <a:t>n</a:t>
+            </a:r>
+            <a:r>
+              <a:rPr lang="en-CH" sz="1000" dirty="0">
+                <a:solidFill>
+                  <a:srgbClr val="003399"/>
+                </a:solidFill>
+                <a:latin typeface="Segoe Print" panose="02000600000000000000" pitchFamily="2" charset="0"/>
+              </a:rPr>
+              <a:t>e</a:t>
+            </a:r>
+            <a:r>
+              <a:rPr lang="de-CH" sz="1000" dirty="0">
+                <a:solidFill>
+                  <a:srgbClr val="003399"/>
+                </a:solidFill>
+                <a:latin typeface="Segoe Print" panose="02000600000000000000" pitchFamily="2" charset="0"/>
+              </a:rPr>
+              <a:t>s</a:t>
+            </a:r>
+            <a:r>
+              <a:rPr lang="en-CH" sz="1000" dirty="0">
+                <a:solidFill>
+                  <a:srgbClr val="003399"/>
+                </a:solidFill>
+                <a:latin typeface="Segoe Print" panose="02000600000000000000" pitchFamily="2" charset="0"/>
+              </a:rPr>
+              <a:t>s</a:t>
+            </a:r>
+            <a:r>
+              <a:rPr lang="de-CH" sz="1000" dirty="0">
+                <a:solidFill>
+                  <a:srgbClr val="003399"/>
+                </a:solidFill>
+                <a:latin typeface="Segoe Print" panose="02000600000000000000" pitchFamily="2" charset="0"/>
+              </a:rPr>
+              <a:t>e</a:t>
+            </a:r>
+            <a:r>
+              <a:rPr lang="en-CH" sz="1000" dirty="0">
+                <a:solidFill>
+                  <a:srgbClr val="003399"/>
+                </a:solidFill>
+                <a:latin typeface="Segoe Print" panose="02000600000000000000" pitchFamily="2" charset="0"/>
+              </a:rPr>
+              <a:t>s</a:t>
+            </a:r>
+            <a:r>
+              <a:rPr lang="de-CH" sz="1000" dirty="0">
+                <a:solidFill>
+                  <a:srgbClr val="003399"/>
+                </a:solidFill>
+                <a:latin typeface="Segoe Print" panose="02000600000000000000" pitchFamily="2" charset="0"/>
+              </a:rPr>
+              <a:t>a</a:t>
+            </a:r>
+            <a:r>
+              <a:rPr lang="en-CH" sz="1000" dirty="0">
+                <a:solidFill>
+                  <a:srgbClr val="003399"/>
+                </a:solidFill>
+                <a:latin typeface="Segoe Print" panose="02000600000000000000" pitchFamily="2" charset="0"/>
+              </a:rPr>
+              <a:t>r</a:t>
+            </a:r>
+            <a:r>
+              <a:rPr lang="de-CH" sz="1000" dirty="0">
+                <a:solidFill>
+                  <a:srgbClr val="003399"/>
+                </a:solidFill>
+                <a:latin typeface="Segoe Print" panose="02000600000000000000" pitchFamily="2" charset="0"/>
+              </a:rPr>
+              <a:t>y</a:t>
+            </a:r>
+            <a:r>
+              <a:rPr lang="en-CH" sz="1000" dirty="0">
+                <a:solidFill>
+                  <a:srgbClr val="003399"/>
+                </a:solidFill>
+                <a:latin typeface="Segoe Print" panose="02000600000000000000" pitchFamily="2" charset="0"/>
+              </a:rPr>
+              <a:t> </a:t>
+            </a:r>
+            <a:r>
+              <a:rPr lang="de-CH" sz="1000" dirty="0">
+                <a:solidFill>
+                  <a:srgbClr val="003399"/>
+                </a:solidFill>
+                <a:latin typeface="Segoe Print" panose="02000600000000000000" pitchFamily="2" charset="0"/>
+              </a:rPr>
+              <a:t>p</a:t>
+            </a:r>
+            <a:r>
+              <a:rPr lang="en-CH" sz="1000" dirty="0">
+                <a:solidFill>
+                  <a:srgbClr val="003399"/>
+                </a:solidFill>
+                <a:latin typeface="Segoe Print" panose="02000600000000000000" pitchFamily="2" charset="0"/>
+              </a:rPr>
+              <a:t>e</a:t>
+            </a:r>
+            <a:r>
+              <a:rPr lang="de-CH" sz="1000" dirty="0">
+                <a:solidFill>
+                  <a:srgbClr val="003399"/>
+                </a:solidFill>
+                <a:latin typeface="Segoe Print" panose="02000600000000000000" pitchFamily="2" charset="0"/>
+              </a:rPr>
+              <a:t>r</a:t>
+            </a:r>
+            <a:r>
+              <a:rPr lang="en-CH" sz="1000" dirty="0">
+                <a:solidFill>
+                  <a:srgbClr val="003399"/>
+                </a:solidFill>
+                <a:latin typeface="Segoe Print" panose="02000600000000000000" pitchFamily="2" charset="0"/>
+              </a:rPr>
+              <a:t>s</a:t>
+            </a:r>
+            <a:r>
+              <a:rPr lang="de-CH" sz="1000" dirty="0">
+                <a:solidFill>
+                  <a:srgbClr val="003399"/>
+                </a:solidFill>
+                <a:latin typeface="Segoe Print" panose="02000600000000000000" pitchFamily="2" charset="0"/>
+              </a:rPr>
+              <a:t>o</a:t>
+            </a:r>
+            <a:r>
+              <a:rPr lang="en-CH" sz="1000" dirty="0">
+                <a:solidFill>
+                  <a:srgbClr val="003399"/>
+                </a:solidFill>
+                <a:latin typeface="Segoe Print" panose="02000600000000000000" pitchFamily="2" charset="0"/>
+              </a:rPr>
+              <a:t>n</a:t>
+            </a:r>
+            <a:r>
+              <a:rPr lang="de-CH" sz="1000" dirty="0">
+                <a:solidFill>
+                  <a:srgbClr val="003399"/>
+                </a:solidFill>
+                <a:latin typeface="Segoe Print" panose="02000600000000000000" pitchFamily="2" charset="0"/>
+              </a:rPr>
+              <a:t>l</a:t>
+            </a:r>
+            <a:r>
+              <a:rPr lang="en-CH" sz="1000" dirty="0">
+                <a:solidFill>
+                  <a:srgbClr val="003399"/>
+                </a:solidFill>
+                <a:latin typeface="Segoe Print" panose="02000600000000000000" pitchFamily="2" charset="0"/>
+              </a:rPr>
+              <a:t>el</a:t>
+            </a:r>
+            <a:endParaRPr lang="de-CH" sz="1000" dirty="0">
+              <a:solidFill>
+                <a:srgbClr val="003399"/>
+              </a:solidFill>
+              <a:latin typeface="Segoe Print" panose="02000600000000000000" pitchFamily="2" charset="0"/>
+            </a:endParaRPr>
+          </a:p>
+        </p:txBody>
+      </p:sp>
+      <p:sp>
+        <p:nvSpPr>
+          <p:cNvPr id="16" name="TextBox 15">
+            <a:extLst>
+              <a:ext uri="{FF2B5EF4-FFF2-40B4-BE49-F238E27FC236}">
+                <a16:creationId xmlns:a16="http://schemas.microsoft.com/office/drawing/2014/main" id="{2DBB746C-E1C5-477F-9474-F67364C67239}"/>
+              </a:ext>
+            </a:extLst>
+          </p:cNvPr>
+          <p:cNvSpPr txBox="1"/>
+          <p:nvPr/>
+        </p:nvSpPr>
+        <p:spPr>
+          <a:xfrm>
+            <a:off x="5930648" y="4951539"/>
+            <a:ext cx="1157469" cy="685464"/>
+          </a:xfrm>
+          <a:prstGeom prst="foldedCorner">
+            <a:avLst/>
+          </a:prstGeom>
+          <a:solidFill>
+            <a:schemeClr val="accent2">
+              <a:lumMod val="60000"/>
+              <a:lumOff val="40000"/>
+            </a:schemeClr>
+          </a:solidFill>
+        </p:spPr>
+        <p:txBody>
+          <a:bodyPr wrap="square" lIns="36000" tIns="36000" rIns="36000" bIns="36000" rtlCol="0" anchor="ctr" anchorCtr="0">
+            <a:noAutofit/>
+          </a:bodyPr>
+          <a:lstStyle/>
+          <a:p>
+            <a:r>
+              <a:rPr lang="en-CH" sz="1000" dirty="0">
+                <a:solidFill>
+                  <a:srgbClr val="003399"/>
+                </a:solidFill>
+                <a:latin typeface="Segoe Print" panose="02000600000000000000" pitchFamily="2" charset="0"/>
+              </a:rPr>
+              <a:t>T</a:t>
+            </a:r>
+            <a:r>
+              <a:rPr lang="de-CH" sz="1000" dirty="0">
+                <a:solidFill>
+                  <a:srgbClr val="003399"/>
+                </a:solidFill>
+                <a:latin typeface="Segoe Print" panose="02000600000000000000" pitchFamily="2" charset="0"/>
+              </a:rPr>
+              <a:t>o</a:t>
+            </a:r>
+            <a:r>
+              <a:rPr lang="en-CH" sz="1000" dirty="0">
+                <a:solidFill>
+                  <a:srgbClr val="003399"/>
+                </a:solidFill>
+                <a:latin typeface="Segoe Print" panose="02000600000000000000" pitchFamily="2" charset="0"/>
+              </a:rPr>
+              <a:t>o </a:t>
+            </a:r>
+            <a:r>
+              <a:rPr lang="de-CH" sz="1000" dirty="0">
+                <a:solidFill>
+                  <a:srgbClr val="003399"/>
+                </a:solidFill>
+                <a:latin typeface="Segoe Print" panose="02000600000000000000" pitchFamily="2" charset="0"/>
+              </a:rPr>
+              <a:t>m</a:t>
+            </a:r>
+            <a:r>
+              <a:rPr lang="en-CH" sz="1000" dirty="0">
+                <a:solidFill>
+                  <a:srgbClr val="003399"/>
+                </a:solidFill>
+                <a:latin typeface="Segoe Print" panose="02000600000000000000" pitchFamily="2" charset="0"/>
+              </a:rPr>
+              <a:t>u</a:t>
+            </a:r>
+            <a:r>
+              <a:rPr lang="de-CH" sz="1000" dirty="0">
+                <a:solidFill>
+                  <a:srgbClr val="003399"/>
+                </a:solidFill>
+                <a:latin typeface="Segoe Print" panose="02000600000000000000" pitchFamily="2" charset="0"/>
+              </a:rPr>
+              <a:t>c</a:t>
+            </a:r>
+            <a:r>
+              <a:rPr lang="en-CH" sz="1000" dirty="0">
+                <a:solidFill>
+                  <a:srgbClr val="003399"/>
+                </a:solidFill>
+                <a:latin typeface="Segoe Print" panose="02000600000000000000" pitchFamily="2" charset="0"/>
+              </a:rPr>
+              <a:t>h </a:t>
+            </a:r>
+            <a:r>
+              <a:rPr lang="de-CH" sz="1000" dirty="0">
+                <a:solidFill>
+                  <a:srgbClr val="003399"/>
+                </a:solidFill>
+                <a:latin typeface="Segoe Print" panose="02000600000000000000" pitchFamily="2" charset="0"/>
+              </a:rPr>
+              <a:t>F</a:t>
+            </a:r>
+            <a:r>
+              <a:rPr lang="en-CH" sz="1000" dirty="0">
+                <a:solidFill>
+                  <a:srgbClr val="003399"/>
+                </a:solidFill>
+                <a:latin typeface="Segoe Print" panose="02000600000000000000" pitchFamily="2" charset="0"/>
+              </a:rPr>
+              <a:t>o</a:t>
+            </a:r>
+            <a:r>
+              <a:rPr lang="de-CH" sz="1000" dirty="0">
+                <a:solidFill>
+                  <a:srgbClr val="003399"/>
+                </a:solidFill>
+                <a:latin typeface="Segoe Print" panose="02000600000000000000" pitchFamily="2" charset="0"/>
+              </a:rPr>
+              <a:t>o</a:t>
+            </a:r>
+            <a:r>
+              <a:rPr lang="en-CH" sz="1000" dirty="0">
+                <a:solidFill>
+                  <a:srgbClr val="003399"/>
+                </a:solidFill>
+                <a:latin typeface="Segoe Print" panose="02000600000000000000" pitchFamily="2" charset="0"/>
+              </a:rPr>
+              <a:t>d </a:t>
+            </a:r>
+            <a:r>
+              <a:rPr lang="de-CH" sz="1000" dirty="0">
+                <a:solidFill>
+                  <a:srgbClr val="003399"/>
+                </a:solidFill>
+                <a:latin typeface="Segoe Print" panose="02000600000000000000" pitchFamily="2" charset="0"/>
+              </a:rPr>
+              <a:t>r</a:t>
+            </a:r>
+            <a:r>
+              <a:rPr lang="en-CH" sz="1000" dirty="0">
+                <a:solidFill>
+                  <a:srgbClr val="003399"/>
+                </a:solidFill>
+                <a:latin typeface="Segoe Print" panose="02000600000000000000" pitchFamily="2" charset="0"/>
+              </a:rPr>
+              <a:t>e</a:t>
+            </a:r>
+            <a:r>
+              <a:rPr lang="de-CH" sz="1000" dirty="0">
+                <a:solidFill>
+                  <a:srgbClr val="003399"/>
+                </a:solidFill>
+                <a:latin typeface="Segoe Print" panose="02000600000000000000" pitchFamily="2" charset="0"/>
+              </a:rPr>
+              <a:t>m</a:t>
+            </a:r>
+            <a:r>
+              <a:rPr lang="en-CH" sz="1000" dirty="0">
+                <a:solidFill>
+                  <a:srgbClr val="003399"/>
+                </a:solidFill>
+                <a:latin typeface="Segoe Print" panose="02000600000000000000" pitchFamily="2" charset="0"/>
+              </a:rPr>
+              <a:t>a</a:t>
+            </a:r>
+            <a:r>
+              <a:rPr lang="de-CH" sz="1000" dirty="0">
+                <a:solidFill>
+                  <a:srgbClr val="003399"/>
+                </a:solidFill>
+                <a:latin typeface="Segoe Print" panose="02000600000000000000" pitchFamily="2" charset="0"/>
+              </a:rPr>
+              <a:t>i</a:t>
+            </a:r>
+            <a:r>
+              <a:rPr lang="en-CH" sz="1000" dirty="0">
+                <a:solidFill>
+                  <a:srgbClr val="003399"/>
+                </a:solidFill>
+                <a:latin typeface="Segoe Print" panose="02000600000000000000" pitchFamily="2" charset="0"/>
+              </a:rPr>
+              <a:t>n </a:t>
+            </a:r>
+            <a:r>
+              <a:rPr lang="de-CH" sz="1000" dirty="0">
+                <a:solidFill>
+                  <a:srgbClr val="003399"/>
+                </a:solidFill>
+                <a:latin typeface="Segoe Print" panose="02000600000000000000" pitchFamily="2" charset="0"/>
+              </a:rPr>
+              <a:t>i</a:t>
+            </a:r>
+            <a:r>
+              <a:rPr lang="en-CH" sz="1000" dirty="0">
+                <a:solidFill>
+                  <a:srgbClr val="003399"/>
+                </a:solidFill>
+                <a:latin typeface="Segoe Print" panose="02000600000000000000" pitchFamily="2" charset="0"/>
+              </a:rPr>
+              <a:t>n </a:t>
+            </a:r>
+            <a:r>
+              <a:rPr lang="de-CH" sz="1000" dirty="0">
+                <a:solidFill>
+                  <a:srgbClr val="003399"/>
+                </a:solidFill>
+                <a:latin typeface="Segoe Print" panose="02000600000000000000" pitchFamily="2" charset="0"/>
+              </a:rPr>
+              <a:t>t</a:t>
+            </a:r>
+            <a:r>
+              <a:rPr lang="en-CH" sz="1000" dirty="0">
+                <a:solidFill>
+                  <a:srgbClr val="003399"/>
+                </a:solidFill>
+                <a:latin typeface="Segoe Print" panose="02000600000000000000" pitchFamily="2" charset="0"/>
+              </a:rPr>
+              <a:t>h</a:t>
+            </a:r>
+            <a:r>
+              <a:rPr lang="de-CH" sz="1000" dirty="0">
+                <a:solidFill>
+                  <a:srgbClr val="003399"/>
+                </a:solidFill>
+                <a:latin typeface="Segoe Print" panose="02000600000000000000" pitchFamily="2" charset="0"/>
+              </a:rPr>
+              <a:t>e</a:t>
+            </a:r>
+            <a:r>
+              <a:rPr lang="en-CH" sz="1000" dirty="0">
+                <a:solidFill>
+                  <a:srgbClr val="003399"/>
+                </a:solidFill>
+                <a:latin typeface="Segoe Print" panose="02000600000000000000" pitchFamily="2" charset="0"/>
+              </a:rPr>
+              <a:t> </a:t>
+            </a:r>
+            <a:r>
+              <a:rPr lang="de-CH" sz="1000" dirty="0">
+                <a:solidFill>
+                  <a:srgbClr val="003399"/>
+                </a:solidFill>
+                <a:latin typeface="Segoe Print" panose="02000600000000000000" pitchFamily="2" charset="0"/>
+              </a:rPr>
+              <a:t>e</a:t>
+            </a:r>
+            <a:r>
+              <a:rPr lang="en-CH" sz="1000" dirty="0">
+                <a:solidFill>
+                  <a:srgbClr val="003399"/>
+                </a:solidFill>
+                <a:latin typeface="Segoe Print" panose="02000600000000000000" pitchFamily="2" charset="0"/>
+              </a:rPr>
+              <a:t>n</a:t>
+            </a:r>
+            <a:r>
+              <a:rPr lang="de-CH" sz="1000" dirty="0">
+                <a:solidFill>
+                  <a:srgbClr val="003399"/>
+                </a:solidFill>
+                <a:latin typeface="Segoe Print" panose="02000600000000000000" pitchFamily="2" charset="0"/>
+              </a:rPr>
+              <a:t>d</a:t>
+            </a:r>
+            <a:r>
+              <a:rPr lang="en-CH" sz="1000" dirty="0">
+                <a:solidFill>
+                  <a:srgbClr val="003399"/>
+                </a:solidFill>
+                <a:latin typeface="Segoe Print" panose="02000600000000000000" pitchFamily="2" charset="0"/>
+              </a:rPr>
+              <a:t> </a:t>
+            </a:r>
+            <a:r>
+              <a:rPr lang="de-CH" sz="1000" dirty="0">
+                <a:solidFill>
+                  <a:srgbClr val="003399"/>
+                </a:solidFill>
+                <a:latin typeface="Segoe Print" panose="02000600000000000000" pitchFamily="2" charset="0"/>
+              </a:rPr>
+              <a:t>o</a:t>
+            </a:r>
+            <a:r>
+              <a:rPr lang="en-CH" sz="1000" dirty="0">
+                <a:solidFill>
+                  <a:srgbClr val="003399"/>
+                </a:solidFill>
+                <a:latin typeface="Segoe Print" panose="02000600000000000000" pitchFamily="2" charset="0"/>
+              </a:rPr>
+              <a:t>f </a:t>
+            </a:r>
+            <a:r>
+              <a:rPr lang="de-CH" sz="1000" dirty="0">
+                <a:solidFill>
+                  <a:srgbClr val="003399"/>
+                </a:solidFill>
+                <a:latin typeface="Segoe Print" panose="02000600000000000000" pitchFamily="2" charset="0"/>
+              </a:rPr>
+              <a:t>t</a:t>
+            </a:r>
+            <a:r>
+              <a:rPr lang="en-CH" sz="1000" dirty="0">
+                <a:solidFill>
+                  <a:srgbClr val="003399"/>
+                </a:solidFill>
+                <a:latin typeface="Segoe Print" panose="02000600000000000000" pitchFamily="2" charset="0"/>
+              </a:rPr>
+              <a:t>h</a:t>
+            </a:r>
+            <a:r>
+              <a:rPr lang="de-CH" sz="1000" dirty="0">
+                <a:solidFill>
+                  <a:srgbClr val="003399"/>
+                </a:solidFill>
+                <a:latin typeface="Segoe Print" panose="02000600000000000000" pitchFamily="2" charset="0"/>
+              </a:rPr>
+              <a:t>e</a:t>
+            </a:r>
+            <a:r>
+              <a:rPr lang="en-CH" sz="1000" dirty="0">
+                <a:solidFill>
+                  <a:srgbClr val="003399"/>
+                </a:solidFill>
+                <a:latin typeface="Segoe Print" panose="02000600000000000000" pitchFamily="2" charset="0"/>
+              </a:rPr>
+              <a:t> </a:t>
+            </a:r>
+            <a:r>
+              <a:rPr lang="de-CH" sz="1000" dirty="0">
+                <a:solidFill>
+                  <a:srgbClr val="003399"/>
+                </a:solidFill>
+                <a:latin typeface="Segoe Print" panose="02000600000000000000" pitchFamily="2" charset="0"/>
+              </a:rPr>
+              <a:t>d</a:t>
+            </a:r>
+            <a:r>
+              <a:rPr lang="en-CH" sz="1000" dirty="0">
+                <a:solidFill>
+                  <a:srgbClr val="003399"/>
+                </a:solidFill>
+                <a:latin typeface="Segoe Print" panose="02000600000000000000" pitchFamily="2" charset="0"/>
+              </a:rPr>
+              <a:t>a</a:t>
+            </a:r>
+            <a:r>
+              <a:rPr lang="de-CH" sz="1000" dirty="0">
+                <a:solidFill>
+                  <a:srgbClr val="003399"/>
+                </a:solidFill>
+                <a:latin typeface="Segoe Print" panose="02000600000000000000" pitchFamily="2" charset="0"/>
+              </a:rPr>
+              <a:t>y</a:t>
+            </a:r>
+          </a:p>
+        </p:txBody>
+      </p:sp>
+      <p:sp>
+        <p:nvSpPr>
+          <p:cNvPr id="17" name="TextBox 16">
+            <a:extLst>
+              <a:ext uri="{FF2B5EF4-FFF2-40B4-BE49-F238E27FC236}">
+                <a16:creationId xmlns:a16="http://schemas.microsoft.com/office/drawing/2014/main" id="{83A060B3-9141-4B39-9507-EC37A3164628}"/>
+              </a:ext>
+            </a:extLst>
+          </p:cNvPr>
+          <p:cNvSpPr txBox="1"/>
+          <p:nvPr/>
+        </p:nvSpPr>
+        <p:spPr>
+          <a:xfrm>
+            <a:off x="6982011" y="1955234"/>
+            <a:ext cx="1298054" cy="577220"/>
+          </a:xfrm>
+          <a:prstGeom prst="foldedCorner">
+            <a:avLst/>
+          </a:prstGeom>
+          <a:solidFill>
+            <a:schemeClr val="accent6">
+              <a:lumMod val="60000"/>
+              <a:lumOff val="40000"/>
+            </a:schemeClr>
+          </a:solidFill>
+          <a:ln>
+            <a:noFill/>
+          </a:ln>
+        </p:spPr>
+        <p:txBody>
+          <a:bodyPr wrap="square" lIns="36000" tIns="36000" rIns="36000" bIns="36000" rtlCol="0" anchor="ctr" anchorCtr="0">
+            <a:noAutofit/>
+          </a:bodyPr>
+          <a:lstStyle/>
+          <a:p>
+            <a:r>
+              <a:rPr lang="en-CH" sz="1000" dirty="0">
+                <a:solidFill>
+                  <a:srgbClr val="003399"/>
+                </a:solidFill>
+                <a:latin typeface="Segoe Print" panose="02000600000000000000" pitchFamily="2" charset="0"/>
+              </a:rPr>
+              <a:t>I</a:t>
+            </a:r>
+            <a:r>
+              <a:rPr lang="de-CH" sz="1000" dirty="0">
+                <a:solidFill>
+                  <a:srgbClr val="003399"/>
+                </a:solidFill>
+                <a:latin typeface="Segoe Print" panose="02000600000000000000" pitchFamily="2" charset="0"/>
+              </a:rPr>
+              <a:t>n</a:t>
+            </a:r>
+            <a:r>
+              <a:rPr lang="en-CH" sz="1000" dirty="0">
+                <a:solidFill>
+                  <a:srgbClr val="003399"/>
+                </a:solidFill>
+                <a:latin typeface="Segoe Print" panose="02000600000000000000" pitchFamily="2" charset="0"/>
+              </a:rPr>
+              <a:t>c</a:t>
+            </a:r>
+            <a:r>
+              <a:rPr lang="de-CH" sz="1000" dirty="0">
+                <a:solidFill>
+                  <a:srgbClr val="003399"/>
+                </a:solidFill>
+                <a:latin typeface="Segoe Print" panose="02000600000000000000" pitchFamily="2" charset="0"/>
+              </a:rPr>
+              <a:t>r</a:t>
+            </a:r>
+            <a:r>
+              <a:rPr lang="en-CH" sz="1000" dirty="0">
+                <a:solidFill>
+                  <a:srgbClr val="003399"/>
+                </a:solidFill>
+                <a:latin typeface="Segoe Print" panose="02000600000000000000" pitchFamily="2" charset="0"/>
+              </a:rPr>
+              <a:t>e</a:t>
+            </a:r>
+            <a:r>
+              <a:rPr lang="de-CH" sz="1000" dirty="0">
+                <a:solidFill>
+                  <a:srgbClr val="003399"/>
+                </a:solidFill>
+                <a:latin typeface="Segoe Print" panose="02000600000000000000" pitchFamily="2" charset="0"/>
+              </a:rPr>
+              <a:t>a</a:t>
+            </a:r>
+            <a:r>
+              <a:rPr lang="en-CH" sz="1000" dirty="0">
+                <a:solidFill>
+                  <a:srgbClr val="003399"/>
+                </a:solidFill>
+                <a:latin typeface="Segoe Print" panose="02000600000000000000" pitchFamily="2" charset="0"/>
+              </a:rPr>
+              <a:t>s</a:t>
+            </a:r>
+            <a:r>
+              <a:rPr lang="de-CH" sz="1000" dirty="0">
+                <a:solidFill>
+                  <a:srgbClr val="003399"/>
+                </a:solidFill>
+                <a:latin typeface="Segoe Print" panose="02000600000000000000" pitchFamily="2" charset="0"/>
+              </a:rPr>
+              <a:t>e</a:t>
+            </a:r>
+            <a:r>
+              <a:rPr lang="en-CH" sz="1000" dirty="0">
+                <a:solidFill>
+                  <a:srgbClr val="003399"/>
+                </a:solidFill>
+                <a:latin typeface="Segoe Print" panose="02000600000000000000" pitchFamily="2" charset="0"/>
+              </a:rPr>
+              <a:t> </a:t>
+            </a:r>
+            <a:r>
+              <a:rPr lang="de-CH" sz="1000" dirty="0">
+                <a:solidFill>
+                  <a:srgbClr val="003399"/>
+                </a:solidFill>
+                <a:latin typeface="Segoe Print" panose="02000600000000000000" pitchFamily="2" charset="0"/>
+              </a:rPr>
+              <a:t>C</a:t>
+            </a:r>
+            <a:r>
+              <a:rPr lang="en-CH" sz="1000" dirty="0">
+                <a:solidFill>
+                  <a:srgbClr val="003399"/>
+                </a:solidFill>
+                <a:latin typeface="Segoe Print" panose="02000600000000000000" pitchFamily="2" charset="0"/>
+              </a:rPr>
+              <a:t>u</a:t>
+            </a:r>
+            <a:r>
+              <a:rPr lang="de-CH" sz="1000" dirty="0">
+                <a:solidFill>
+                  <a:srgbClr val="003399"/>
+                </a:solidFill>
+                <a:latin typeface="Segoe Print" panose="02000600000000000000" pitchFamily="2" charset="0"/>
+              </a:rPr>
+              <a:t>s</a:t>
+            </a:r>
+            <a:r>
+              <a:rPr lang="en-CH" sz="1000" dirty="0">
+                <a:solidFill>
+                  <a:srgbClr val="003399"/>
+                </a:solidFill>
+                <a:latin typeface="Segoe Print" panose="02000600000000000000" pitchFamily="2" charset="0"/>
+              </a:rPr>
+              <a:t>t</a:t>
+            </a:r>
+            <a:r>
+              <a:rPr lang="de-CH" sz="1000" dirty="0">
+                <a:solidFill>
+                  <a:srgbClr val="003399"/>
+                </a:solidFill>
+                <a:latin typeface="Segoe Print" panose="02000600000000000000" pitchFamily="2" charset="0"/>
+              </a:rPr>
+              <a:t>o</a:t>
+            </a:r>
+            <a:r>
+              <a:rPr lang="en-CH" sz="1000" dirty="0">
+                <a:solidFill>
+                  <a:srgbClr val="003399"/>
+                </a:solidFill>
+                <a:latin typeface="Segoe Print" panose="02000600000000000000" pitchFamily="2" charset="0"/>
+              </a:rPr>
+              <a:t>m</a:t>
+            </a:r>
+            <a:r>
+              <a:rPr lang="de-CH" sz="1000" dirty="0">
+                <a:solidFill>
+                  <a:srgbClr val="003399"/>
+                </a:solidFill>
+                <a:latin typeface="Segoe Print" panose="02000600000000000000" pitchFamily="2" charset="0"/>
+              </a:rPr>
+              <a:t>e</a:t>
+            </a:r>
+            <a:r>
+              <a:rPr lang="en-CH" sz="1000" dirty="0">
+                <a:solidFill>
+                  <a:srgbClr val="003399"/>
+                </a:solidFill>
+                <a:latin typeface="Segoe Print" panose="02000600000000000000" pitchFamily="2" charset="0"/>
+              </a:rPr>
+              <a:t>r </a:t>
+            </a:r>
+            <a:r>
+              <a:rPr lang="de-CH" sz="1000" dirty="0">
+                <a:solidFill>
+                  <a:srgbClr val="003399"/>
+                </a:solidFill>
+                <a:latin typeface="Segoe Print" panose="02000600000000000000" pitchFamily="2" charset="0"/>
+              </a:rPr>
+              <a:t>r</a:t>
+            </a:r>
+            <a:r>
+              <a:rPr lang="en-CH" sz="1000" dirty="0">
+                <a:solidFill>
+                  <a:srgbClr val="003399"/>
+                </a:solidFill>
+                <a:latin typeface="Segoe Print" panose="02000600000000000000" pitchFamily="2" charset="0"/>
+              </a:rPr>
+              <a:t>e</a:t>
+            </a:r>
+            <a:r>
+              <a:rPr lang="de-CH" sz="1000" dirty="0">
+                <a:solidFill>
+                  <a:srgbClr val="003399"/>
+                </a:solidFill>
+                <a:latin typeface="Segoe Print" panose="02000600000000000000" pitchFamily="2" charset="0"/>
+              </a:rPr>
+              <a:t>a</a:t>
+            </a:r>
+            <a:r>
+              <a:rPr lang="en-CH" sz="1000" dirty="0">
+                <a:solidFill>
+                  <a:srgbClr val="003399"/>
+                </a:solidFill>
+                <a:latin typeface="Segoe Print" panose="02000600000000000000" pitchFamily="2" charset="0"/>
+              </a:rPr>
+              <a:t>c</a:t>
+            </a:r>
+            <a:r>
+              <a:rPr lang="de-CH" sz="1000" dirty="0">
+                <a:solidFill>
+                  <a:srgbClr val="003399"/>
+                </a:solidFill>
+                <a:latin typeface="Segoe Print" panose="02000600000000000000" pitchFamily="2" charset="0"/>
+              </a:rPr>
+              <a:t>h</a:t>
+            </a:r>
+            <a:r>
+              <a:rPr lang="en-CH" sz="1000" dirty="0">
+                <a:solidFill>
+                  <a:srgbClr val="003399"/>
+                </a:solidFill>
+                <a:latin typeface="Segoe Print" panose="02000600000000000000" pitchFamily="2" charset="0"/>
+              </a:rPr>
+              <a:t>a</a:t>
+            </a:r>
+            <a:r>
+              <a:rPr lang="de-CH" sz="1000" dirty="0">
+                <a:solidFill>
+                  <a:srgbClr val="003399"/>
+                </a:solidFill>
+                <a:latin typeface="Segoe Print" panose="02000600000000000000" pitchFamily="2" charset="0"/>
+              </a:rPr>
+              <a:t>b</a:t>
+            </a:r>
+            <a:r>
+              <a:rPr lang="en-CH" sz="1000" dirty="0" err="1">
+                <a:solidFill>
+                  <a:srgbClr val="003399"/>
+                </a:solidFill>
+                <a:latin typeface="Segoe Print" panose="02000600000000000000" pitchFamily="2" charset="0"/>
+              </a:rPr>
+              <a:t>i</a:t>
+            </a:r>
+            <a:r>
+              <a:rPr lang="de-CH" sz="1000" dirty="0">
+                <a:solidFill>
+                  <a:srgbClr val="003399"/>
+                </a:solidFill>
+                <a:latin typeface="Segoe Print" panose="02000600000000000000" pitchFamily="2" charset="0"/>
+              </a:rPr>
+              <a:t>l</a:t>
+            </a:r>
+            <a:r>
+              <a:rPr lang="en-CH" sz="1000" dirty="0" err="1">
+                <a:solidFill>
+                  <a:srgbClr val="003399"/>
+                </a:solidFill>
+                <a:latin typeface="Segoe Print" panose="02000600000000000000" pitchFamily="2" charset="0"/>
+              </a:rPr>
+              <a:t>i</a:t>
+            </a:r>
+            <a:r>
+              <a:rPr lang="de-CH" sz="1000" dirty="0">
+                <a:solidFill>
+                  <a:srgbClr val="003399"/>
+                </a:solidFill>
+                <a:latin typeface="Segoe Print" panose="02000600000000000000" pitchFamily="2" charset="0"/>
+              </a:rPr>
+              <a:t>t</a:t>
+            </a:r>
+            <a:r>
+              <a:rPr lang="en-CH" sz="1000" dirty="0">
+                <a:solidFill>
+                  <a:srgbClr val="003399"/>
+                </a:solidFill>
+                <a:latin typeface="Segoe Print" panose="02000600000000000000" pitchFamily="2" charset="0"/>
+              </a:rPr>
+              <a:t>y</a:t>
+            </a:r>
+            <a:endParaRPr lang="de-CH" sz="1000" dirty="0">
+              <a:solidFill>
+                <a:srgbClr val="003399"/>
+              </a:solidFill>
+              <a:latin typeface="Segoe Print" panose="02000600000000000000" pitchFamily="2" charset="0"/>
+            </a:endParaRPr>
+          </a:p>
+        </p:txBody>
+      </p:sp>
+      <p:sp>
+        <p:nvSpPr>
+          <p:cNvPr id="18" name="TextBox 17">
+            <a:extLst>
+              <a:ext uri="{FF2B5EF4-FFF2-40B4-BE49-F238E27FC236}">
+                <a16:creationId xmlns:a16="http://schemas.microsoft.com/office/drawing/2014/main" id="{1817C129-A599-457D-9A41-6B49A2163889}"/>
+              </a:ext>
+            </a:extLst>
+          </p:cNvPr>
+          <p:cNvSpPr txBox="1"/>
+          <p:nvPr/>
+        </p:nvSpPr>
+        <p:spPr>
+          <a:xfrm>
+            <a:off x="5543837" y="2824383"/>
+            <a:ext cx="1390075" cy="771080"/>
+          </a:xfrm>
+          <a:prstGeom prst="foldedCorner">
+            <a:avLst/>
+          </a:prstGeom>
+          <a:solidFill>
+            <a:schemeClr val="accent6">
+              <a:lumMod val="60000"/>
+              <a:lumOff val="40000"/>
+            </a:schemeClr>
+          </a:solidFill>
+          <a:ln>
+            <a:noFill/>
+          </a:ln>
+        </p:spPr>
+        <p:txBody>
+          <a:bodyPr wrap="square" lIns="36000" tIns="36000" rIns="36000" bIns="36000" rtlCol="0" anchor="ctr" anchorCtr="0">
+            <a:noAutofit/>
+          </a:bodyPr>
+          <a:lstStyle/>
+          <a:p>
+            <a:r>
+              <a:rPr lang="en-CH" sz="1000" dirty="0">
+                <a:solidFill>
+                  <a:srgbClr val="003399"/>
+                </a:solidFill>
+                <a:latin typeface="Segoe Print" panose="02000600000000000000" pitchFamily="2" charset="0"/>
+              </a:rPr>
+              <a:t>I</a:t>
+            </a:r>
+            <a:r>
+              <a:rPr lang="de-CH" sz="1000" dirty="0">
+                <a:solidFill>
+                  <a:srgbClr val="003399"/>
+                </a:solidFill>
+                <a:latin typeface="Segoe Print" panose="02000600000000000000" pitchFamily="2" charset="0"/>
+              </a:rPr>
+              <a:t>n</a:t>
+            </a:r>
+            <a:r>
+              <a:rPr lang="en-CH" sz="1000" dirty="0">
+                <a:solidFill>
+                  <a:srgbClr val="003399"/>
+                </a:solidFill>
+                <a:latin typeface="Segoe Print" panose="02000600000000000000" pitchFamily="2" charset="0"/>
+              </a:rPr>
+              <a:t>c</a:t>
+            </a:r>
+            <a:r>
+              <a:rPr lang="de-CH" sz="1000" dirty="0">
+                <a:solidFill>
+                  <a:srgbClr val="003399"/>
+                </a:solidFill>
+                <a:latin typeface="Segoe Print" panose="02000600000000000000" pitchFamily="2" charset="0"/>
+              </a:rPr>
+              <a:t>r</a:t>
+            </a:r>
+            <a:r>
+              <a:rPr lang="en-CH" sz="1000" dirty="0">
+                <a:solidFill>
+                  <a:srgbClr val="003399"/>
+                </a:solidFill>
+                <a:latin typeface="Segoe Print" panose="02000600000000000000" pitchFamily="2" charset="0"/>
+              </a:rPr>
+              <a:t>e</a:t>
+            </a:r>
+            <a:r>
+              <a:rPr lang="de-CH" sz="1000" dirty="0">
+                <a:solidFill>
+                  <a:srgbClr val="003399"/>
+                </a:solidFill>
+                <a:latin typeface="Segoe Print" panose="02000600000000000000" pitchFamily="2" charset="0"/>
+              </a:rPr>
+              <a:t>a</a:t>
+            </a:r>
+            <a:r>
+              <a:rPr lang="en-CH" sz="1000" dirty="0">
+                <a:solidFill>
+                  <a:srgbClr val="003399"/>
+                </a:solidFill>
+                <a:latin typeface="Segoe Print" panose="02000600000000000000" pitchFamily="2" charset="0"/>
+              </a:rPr>
+              <a:t>s</a:t>
+            </a:r>
+            <a:r>
+              <a:rPr lang="de-CH" sz="1000" dirty="0">
+                <a:solidFill>
+                  <a:srgbClr val="003399"/>
+                </a:solidFill>
+                <a:latin typeface="Segoe Print" panose="02000600000000000000" pitchFamily="2" charset="0"/>
+              </a:rPr>
+              <a:t>e</a:t>
+            </a:r>
+            <a:r>
+              <a:rPr lang="en-CH" sz="1000" dirty="0">
+                <a:solidFill>
+                  <a:srgbClr val="003399"/>
+                </a:solidFill>
+                <a:latin typeface="Segoe Print" panose="02000600000000000000" pitchFamily="2" charset="0"/>
+              </a:rPr>
+              <a:t> </a:t>
+            </a:r>
+            <a:r>
+              <a:rPr lang="de-CH" sz="1000" dirty="0">
+                <a:solidFill>
+                  <a:srgbClr val="003399"/>
+                </a:solidFill>
+                <a:latin typeface="Segoe Print" panose="02000600000000000000" pitchFamily="2" charset="0"/>
+              </a:rPr>
+              <a:t>t</a:t>
+            </a:r>
+            <a:r>
+              <a:rPr lang="en-CH" sz="1000" dirty="0">
+                <a:solidFill>
+                  <a:srgbClr val="003399"/>
+                </a:solidFill>
+                <a:latin typeface="Segoe Print" panose="02000600000000000000" pitchFamily="2" charset="0"/>
+              </a:rPr>
+              <a:t>h</a:t>
+            </a:r>
+            <a:r>
+              <a:rPr lang="de-CH" sz="1000" dirty="0">
+                <a:solidFill>
+                  <a:srgbClr val="003399"/>
+                </a:solidFill>
+                <a:latin typeface="Segoe Print" panose="02000600000000000000" pitchFamily="2" charset="0"/>
+              </a:rPr>
+              <a:t>e</a:t>
+            </a:r>
+            <a:r>
+              <a:rPr lang="en-CH" sz="1000" dirty="0">
+                <a:solidFill>
+                  <a:srgbClr val="003399"/>
+                </a:solidFill>
+                <a:latin typeface="Segoe Print" panose="02000600000000000000" pitchFamily="2" charset="0"/>
+              </a:rPr>
+              <a:t> </a:t>
+            </a:r>
+            <a:r>
+              <a:rPr lang="de-CH" sz="1000" dirty="0">
+                <a:solidFill>
+                  <a:srgbClr val="003399"/>
+                </a:solidFill>
+                <a:latin typeface="Segoe Print" panose="02000600000000000000" pitchFamily="2" charset="0"/>
+              </a:rPr>
+              <a:t>t</a:t>
+            </a:r>
+            <a:r>
+              <a:rPr lang="en-CH" sz="1000" dirty="0">
+                <a:solidFill>
+                  <a:srgbClr val="003399"/>
+                </a:solidFill>
+                <a:latin typeface="Segoe Print" panose="02000600000000000000" pitchFamily="2" charset="0"/>
+              </a:rPr>
+              <a:t>u</a:t>
+            </a:r>
+            <a:r>
+              <a:rPr lang="de-CH" sz="1000" dirty="0">
+                <a:solidFill>
+                  <a:srgbClr val="003399"/>
+                </a:solidFill>
+                <a:latin typeface="Segoe Print" panose="02000600000000000000" pitchFamily="2" charset="0"/>
+              </a:rPr>
+              <a:t>r</a:t>
+            </a:r>
+            <a:r>
+              <a:rPr lang="en-CH" sz="1000" dirty="0">
+                <a:solidFill>
+                  <a:srgbClr val="003399"/>
+                </a:solidFill>
+                <a:latin typeface="Segoe Print" panose="02000600000000000000" pitchFamily="2" charset="0"/>
+              </a:rPr>
+              <a:t>n</a:t>
+            </a:r>
+            <a:r>
+              <a:rPr lang="de-CH" sz="1000" dirty="0">
+                <a:solidFill>
+                  <a:srgbClr val="003399"/>
+                </a:solidFill>
+                <a:latin typeface="Segoe Print" panose="02000600000000000000" pitchFamily="2" charset="0"/>
+              </a:rPr>
+              <a:t>o</a:t>
+            </a:r>
+            <a:r>
+              <a:rPr lang="en-CH" sz="1000" dirty="0">
+                <a:solidFill>
+                  <a:srgbClr val="003399"/>
+                </a:solidFill>
+                <a:latin typeface="Segoe Print" panose="02000600000000000000" pitchFamily="2" charset="0"/>
+              </a:rPr>
+              <a:t>v</a:t>
+            </a:r>
+            <a:r>
+              <a:rPr lang="de-CH" sz="1000" dirty="0">
+                <a:solidFill>
+                  <a:srgbClr val="003399"/>
+                </a:solidFill>
+                <a:latin typeface="Segoe Print" panose="02000600000000000000" pitchFamily="2" charset="0"/>
+              </a:rPr>
+              <a:t>e</a:t>
+            </a:r>
+            <a:r>
+              <a:rPr lang="en-CH" sz="1000" dirty="0">
+                <a:solidFill>
+                  <a:srgbClr val="003399"/>
+                </a:solidFill>
+                <a:latin typeface="Segoe Print" panose="02000600000000000000" pitchFamily="2" charset="0"/>
+              </a:rPr>
+              <a:t>r </a:t>
+            </a:r>
+            <a:r>
+              <a:rPr lang="de-CH" sz="1000" dirty="0">
+                <a:solidFill>
+                  <a:srgbClr val="003399"/>
+                </a:solidFill>
+                <a:latin typeface="Segoe Print" panose="02000600000000000000" pitchFamily="2" charset="0"/>
+              </a:rPr>
+              <a:t>w</a:t>
+            </a:r>
+            <a:r>
+              <a:rPr lang="en-CH" sz="1000" dirty="0">
+                <a:solidFill>
+                  <a:srgbClr val="003399"/>
+                </a:solidFill>
+                <a:latin typeface="Segoe Print" panose="02000600000000000000" pitchFamily="2" charset="0"/>
+              </a:rPr>
+              <a:t>h</a:t>
+            </a:r>
+            <a:r>
+              <a:rPr lang="de-CH" sz="1000" dirty="0">
+                <a:solidFill>
+                  <a:srgbClr val="003399"/>
+                </a:solidFill>
+                <a:latin typeface="Segoe Print" panose="02000600000000000000" pitchFamily="2" charset="0"/>
+              </a:rPr>
+              <a:t>i</a:t>
+            </a:r>
+            <a:r>
+              <a:rPr lang="en-CH" sz="1000" dirty="0">
+                <a:solidFill>
+                  <a:srgbClr val="003399"/>
+                </a:solidFill>
+                <a:latin typeface="Segoe Print" panose="02000600000000000000" pitchFamily="2" charset="0"/>
+              </a:rPr>
+              <a:t>l</a:t>
+            </a:r>
+            <a:r>
+              <a:rPr lang="de-CH" sz="1000" dirty="0">
+                <a:solidFill>
+                  <a:srgbClr val="003399"/>
+                </a:solidFill>
+                <a:latin typeface="Segoe Print" panose="02000600000000000000" pitchFamily="2" charset="0"/>
+              </a:rPr>
+              <a:t>e</a:t>
+            </a:r>
+            <a:r>
+              <a:rPr lang="en-CH" sz="1000" dirty="0">
+                <a:solidFill>
+                  <a:srgbClr val="003399"/>
+                </a:solidFill>
+                <a:latin typeface="Segoe Print" panose="02000600000000000000" pitchFamily="2" charset="0"/>
+              </a:rPr>
+              <a:t> </a:t>
+            </a:r>
+            <a:r>
+              <a:rPr lang="de-CH" sz="1000" dirty="0">
+                <a:solidFill>
+                  <a:srgbClr val="003399"/>
+                </a:solidFill>
+                <a:latin typeface="Segoe Print" panose="02000600000000000000" pitchFamily="2" charset="0"/>
+              </a:rPr>
+              <a:t>i</a:t>
+            </a:r>
+            <a:r>
+              <a:rPr lang="en-CH" sz="1000" dirty="0">
+                <a:solidFill>
+                  <a:srgbClr val="003399"/>
+                </a:solidFill>
+                <a:latin typeface="Segoe Print" panose="02000600000000000000" pitchFamily="2" charset="0"/>
+              </a:rPr>
+              <a:t>n</a:t>
+            </a:r>
+            <a:r>
+              <a:rPr lang="de-CH" sz="1000" dirty="0">
+                <a:solidFill>
+                  <a:srgbClr val="003399"/>
+                </a:solidFill>
+                <a:latin typeface="Segoe Print" panose="02000600000000000000" pitchFamily="2" charset="0"/>
+              </a:rPr>
+              <a:t>c</a:t>
+            </a:r>
+            <a:r>
+              <a:rPr lang="en-CH" sz="1000" dirty="0">
+                <a:solidFill>
+                  <a:srgbClr val="003399"/>
+                </a:solidFill>
+                <a:latin typeface="Segoe Print" panose="02000600000000000000" pitchFamily="2" charset="0"/>
+              </a:rPr>
+              <a:t>r</a:t>
+            </a:r>
+            <a:r>
+              <a:rPr lang="de-CH" sz="1000" dirty="0">
+                <a:solidFill>
+                  <a:srgbClr val="003399"/>
+                </a:solidFill>
+                <a:latin typeface="Segoe Print" panose="02000600000000000000" pitchFamily="2" charset="0"/>
+              </a:rPr>
+              <a:t>e</a:t>
+            </a:r>
+            <a:r>
+              <a:rPr lang="en-CH" sz="1000" dirty="0">
+                <a:solidFill>
+                  <a:srgbClr val="003399"/>
+                </a:solidFill>
+                <a:latin typeface="Segoe Print" panose="02000600000000000000" pitchFamily="2" charset="0"/>
+              </a:rPr>
+              <a:t>a</a:t>
+            </a:r>
+            <a:r>
+              <a:rPr lang="de-CH" sz="1000" dirty="0">
+                <a:solidFill>
+                  <a:srgbClr val="003399"/>
+                </a:solidFill>
+                <a:latin typeface="Segoe Print" panose="02000600000000000000" pitchFamily="2" charset="0"/>
+              </a:rPr>
+              <a:t>s</a:t>
+            </a:r>
+            <a:r>
+              <a:rPr lang="en-CH" sz="1000" dirty="0" err="1">
+                <a:solidFill>
+                  <a:srgbClr val="003399"/>
+                </a:solidFill>
+                <a:latin typeface="Segoe Print" panose="02000600000000000000" pitchFamily="2" charset="0"/>
+              </a:rPr>
+              <a:t>i</a:t>
+            </a:r>
+            <a:r>
+              <a:rPr lang="de-CH" sz="1000" dirty="0">
+                <a:solidFill>
+                  <a:srgbClr val="003399"/>
+                </a:solidFill>
+                <a:latin typeface="Segoe Print" panose="02000600000000000000" pitchFamily="2" charset="0"/>
+              </a:rPr>
+              <a:t>n</a:t>
+            </a:r>
+            <a:r>
+              <a:rPr lang="en-CH" sz="1000" dirty="0">
+                <a:solidFill>
+                  <a:srgbClr val="003399"/>
+                </a:solidFill>
+                <a:latin typeface="Segoe Print" panose="02000600000000000000" pitchFamily="2" charset="0"/>
+              </a:rPr>
+              <a:t>g </a:t>
+            </a:r>
+            <a:r>
+              <a:rPr lang="de-CH" sz="1000" dirty="0">
+                <a:solidFill>
+                  <a:srgbClr val="003399"/>
+                </a:solidFill>
+                <a:latin typeface="Segoe Print" panose="02000600000000000000" pitchFamily="2" charset="0"/>
+              </a:rPr>
+              <a:t>e</a:t>
+            </a:r>
+            <a:r>
+              <a:rPr lang="en-CH" sz="1000" dirty="0">
+                <a:solidFill>
+                  <a:srgbClr val="003399"/>
+                </a:solidFill>
+                <a:latin typeface="Segoe Print" panose="02000600000000000000" pitchFamily="2" charset="0"/>
+              </a:rPr>
+              <a:t>f</a:t>
+            </a:r>
+            <a:r>
+              <a:rPr lang="de-CH" sz="1000" dirty="0">
+                <a:solidFill>
+                  <a:srgbClr val="003399"/>
+                </a:solidFill>
+                <a:latin typeface="Segoe Print" panose="02000600000000000000" pitchFamily="2" charset="0"/>
+              </a:rPr>
+              <a:t>f</a:t>
+            </a:r>
+            <a:r>
+              <a:rPr lang="en-CH" sz="1000" dirty="0" err="1">
+                <a:solidFill>
+                  <a:srgbClr val="003399"/>
+                </a:solidFill>
+                <a:latin typeface="Segoe Print" panose="02000600000000000000" pitchFamily="2" charset="0"/>
+              </a:rPr>
+              <a:t>i</a:t>
+            </a:r>
+            <a:r>
+              <a:rPr lang="de-CH" sz="1000" dirty="0">
+                <a:solidFill>
+                  <a:srgbClr val="003399"/>
+                </a:solidFill>
+                <a:latin typeface="Segoe Print" panose="02000600000000000000" pitchFamily="2" charset="0"/>
+              </a:rPr>
+              <a:t>c</a:t>
+            </a:r>
+            <a:r>
+              <a:rPr lang="en-CH" sz="1000" dirty="0" err="1">
+                <a:solidFill>
+                  <a:srgbClr val="003399"/>
+                </a:solidFill>
+                <a:latin typeface="Segoe Print" panose="02000600000000000000" pitchFamily="2" charset="0"/>
+              </a:rPr>
+              <a:t>i</a:t>
+            </a:r>
+            <a:r>
+              <a:rPr lang="de-CH" sz="1000" dirty="0">
+                <a:solidFill>
+                  <a:srgbClr val="003399"/>
+                </a:solidFill>
+                <a:latin typeface="Segoe Print" panose="02000600000000000000" pitchFamily="2" charset="0"/>
+              </a:rPr>
+              <a:t>e</a:t>
+            </a:r>
+            <a:r>
+              <a:rPr lang="en-CH" sz="1000" dirty="0">
+                <a:solidFill>
+                  <a:srgbClr val="003399"/>
+                </a:solidFill>
+                <a:latin typeface="Segoe Print" panose="02000600000000000000" pitchFamily="2" charset="0"/>
+              </a:rPr>
+              <a:t>n</a:t>
+            </a:r>
+            <a:r>
+              <a:rPr lang="de-CH" sz="1000" dirty="0">
+                <a:solidFill>
+                  <a:srgbClr val="003399"/>
+                </a:solidFill>
+                <a:latin typeface="Segoe Print" panose="02000600000000000000" pitchFamily="2" charset="0"/>
+              </a:rPr>
+              <a:t>c</a:t>
+            </a:r>
+            <a:r>
+              <a:rPr lang="en-CH" sz="1000" dirty="0">
+                <a:solidFill>
+                  <a:srgbClr val="003399"/>
+                </a:solidFill>
+                <a:latin typeface="Segoe Print" panose="02000600000000000000" pitchFamily="2" charset="0"/>
+              </a:rPr>
+              <a:t>y</a:t>
+            </a:r>
+            <a:endParaRPr lang="de-CH" sz="1000" dirty="0">
+              <a:solidFill>
+                <a:srgbClr val="003399"/>
+              </a:solidFill>
+              <a:latin typeface="Segoe Print" panose="02000600000000000000" pitchFamily="2" charset="0"/>
+            </a:endParaRPr>
+          </a:p>
+        </p:txBody>
+      </p:sp>
+      <p:sp>
+        <p:nvSpPr>
+          <p:cNvPr id="20" name="TextBox 19">
+            <a:extLst>
+              <a:ext uri="{FF2B5EF4-FFF2-40B4-BE49-F238E27FC236}">
+                <a16:creationId xmlns:a16="http://schemas.microsoft.com/office/drawing/2014/main" id="{01FBBA80-91D1-49F0-9560-EE14D6998BF1}"/>
+              </a:ext>
+            </a:extLst>
+          </p:cNvPr>
+          <p:cNvSpPr txBox="1"/>
+          <p:nvPr/>
+        </p:nvSpPr>
+        <p:spPr>
+          <a:xfrm>
+            <a:off x="3243066" y="3827813"/>
+            <a:ext cx="1157469" cy="685464"/>
+          </a:xfrm>
+          <a:prstGeom prst="foldedCorner">
+            <a:avLst/>
+          </a:prstGeom>
+          <a:solidFill>
+            <a:schemeClr val="accent2">
+              <a:lumMod val="60000"/>
+              <a:lumOff val="40000"/>
+            </a:schemeClr>
+          </a:solidFill>
+        </p:spPr>
+        <p:txBody>
+          <a:bodyPr wrap="square" lIns="36000" tIns="36000" rIns="36000" bIns="36000" rtlCol="0" anchor="ctr" anchorCtr="0">
+            <a:noAutofit/>
+          </a:bodyPr>
+          <a:lstStyle/>
+          <a:p>
+            <a:r>
+              <a:rPr lang="en-CH" sz="1000" dirty="0">
+                <a:solidFill>
+                  <a:srgbClr val="003399"/>
+                </a:solidFill>
+                <a:latin typeface="Segoe Print" panose="02000600000000000000" pitchFamily="2" charset="0"/>
+              </a:rPr>
+              <a:t>Customer reachability via </a:t>
+            </a:r>
+            <a:r>
+              <a:rPr lang="en-CH" sz="1000" dirty="0" err="1">
+                <a:solidFill>
+                  <a:srgbClr val="003399"/>
+                </a:solidFill>
+                <a:latin typeface="Segoe Print" panose="02000600000000000000" pitchFamily="2" charset="0"/>
+              </a:rPr>
+              <a:t>Simme</a:t>
+            </a:r>
+            <a:r>
+              <a:rPr lang="en-CH" sz="1000" dirty="0">
+                <a:solidFill>
+                  <a:srgbClr val="003399"/>
+                </a:solidFill>
+                <a:latin typeface="Segoe Print" panose="02000600000000000000" pitchFamily="2" charset="0"/>
+              </a:rPr>
+              <a:t> platform</a:t>
+            </a:r>
+            <a:endParaRPr lang="de-CH" sz="1000" dirty="0">
+              <a:solidFill>
+                <a:srgbClr val="003399"/>
+              </a:solidFill>
+              <a:latin typeface="Segoe Print" panose="02000600000000000000" pitchFamily="2" charset="0"/>
+            </a:endParaRPr>
+          </a:p>
+        </p:txBody>
+      </p:sp>
+      <p:sp>
+        <p:nvSpPr>
+          <p:cNvPr id="23" name="TextBox 22">
+            <a:extLst>
+              <a:ext uri="{FF2B5EF4-FFF2-40B4-BE49-F238E27FC236}">
+                <a16:creationId xmlns:a16="http://schemas.microsoft.com/office/drawing/2014/main" id="{AEA08949-E9CE-4260-91A5-5930D238FD15}"/>
+              </a:ext>
+            </a:extLst>
+          </p:cNvPr>
+          <p:cNvSpPr txBox="1"/>
+          <p:nvPr/>
+        </p:nvSpPr>
+        <p:spPr>
+          <a:xfrm>
+            <a:off x="1728002" y="4905226"/>
+            <a:ext cx="1157469" cy="988631"/>
+          </a:xfrm>
+          <a:prstGeom prst="foldedCorner">
+            <a:avLst/>
+          </a:prstGeom>
+          <a:solidFill>
+            <a:schemeClr val="accent2">
+              <a:lumMod val="60000"/>
+              <a:lumOff val="40000"/>
+            </a:schemeClr>
+          </a:solidFill>
+        </p:spPr>
+        <p:txBody>
+          <a:bodyPr wrap="square" lIns="36000" tIns="36000" rIns="36000" bIns="36000" rtlCol="0" anchor="ctr" anchorCtr="0">
+            <a:noAutofit/>
+          </a:bodyPr>
+          <a:lstStyle/>
+          <a:p>
+            <a:r>
+              <a:rPr lang="de-CH" sz="1000" dirty="0">
+                <a:solidFill>
+                  <a:srgbClr val="003399"/>
+                </a:solidFill>
+                <a:latin typeface="Segoe Print" panose="02000600000000000000" pitchFamily="2" charset="0"/>
+              </a:rPr>
+              <a:t>V</a:t>
+            </a:r>
+            <a:r>
+              <a:rPr lang="en-CH" sz="1000" dirty="0" err="1">
+                <a:solidFill>
+                  <a:srgbClr val="003399"/>
+                </a:solidFill>
+                <a:latin typeface="Segoe Print" panose="02000600000000000000" pitchFamily="2" charset="0"/>
+              </a:rPr>
+              <a:t>i</a:t>
+            </a:r>
+            <a:r>
+              <a:rPr lang="de-CH" sz="1000" dirty="0">
+                <a:solidFill>
+                  <a:srgbClr val="003399"/>
+                </a:solidFill>
+                <a:latin typeface="Segoe Print" panose="02000600000000000000" pitchFamily="2" charset="0"/>
+              </a:rPr>
+              <a:t>a</a:t>
+            </a:r>
+            <a:r>
+              <a:rPr lang="en-CH" sz="1000" dirty="0">
+                <a:solidFill>
+                  <a:srgbClr val="003399"/>
+                </a:solidFill>
+                <a:latin typeface="Segoe Print" panose="02000600000000000000" pitchFamily="2" charset="0"/>
+              </a:rPr>
+              <a:t> P</a:t>
+            </a:r>
+            <a:r>
+              <a:rPr lang="de-CH" sz="1000" dirty="0">
+                <a:solidFill>
+                  <a:srgbClr val="003399"/>
+                </a:solidFill>
+                <a:latin typeface="Segoe Print" panose="02000600000000000000" pitchFamily="2" charset="0"/>
+              </a:rPr>
+              <a:t>r</a:t>
+            </a:r>
+            <a:r>
+              <a:rPr lang="en-CH" sz="1000" dirty="0">
+                <a:solidFill>
+                  <a:srgbClr val="003399"/>
+                </a:solidFill>
+                <a:latin typeface="Segoe Print" panose="02000600000000000000" pitchFamily="2" charset="0"/>
+              </a:rPr>
+              <a:t>e </a:t>
+            </a:r>
+            <a:r>
+              <a:rPr lang="de-CH" sz="1000" dirty="0">
+                <a:solidFill>
+                  <a:srgbClr val="003399"/>
+                </a:solidFill>
+                <a:latin typeface="Segoe Print" panose="02000600000000000000" pitchFamily="2" charset="0"/>
+              </a:rPr>
+              <a:t>O</a:t>
+            </a:r>
+            <a:r>
+              <a:rPr lang="en-CH" sz="1000" dirty="0">
+                <a:solidFill>
+                  <a:srgbClr val="003399"/>
+                </a:solidFill>
+                <a:latin typeface="Segoe Print" panose="02000600000000000000" pitchFamily="2" charset="0"/>
+              </a:rPr>
+              <a:t>r</a:t>
+            </a:r>
+            <a:r>
+              <a:rPr lang="de-CH" sz="1000" dirty="0">
+                <a:solidFill>
+                  <a:srgbClr val="003399"/>
+                </a:solidFill>
+                <a:latin typeface="Segoe Print" panose="02000600000000000000" pitchFamily="2" charset="0"/>
+              </a:rPr>
+              <a:t>d</a:t>
+            </a:r>
+            <a:r>
+              <a:rPr lang="en-CH" sz="1000" dirty="0">
+                <a:solidFill>
+                  <a:srgbClr val="003399"/>
+                </a:solidFill>
+                <a:latin typeface="Segoe Print" panose="02000600000000000000" pitchFamily="2" charset="0"/>
+              </a:rPr>
+              <a:t>e</a:t>
+            </a:r>
+            <a:r>
+              <a:rPr lang="de-CH" sz="1000" dirty="0">
+                <a:solidFill>
+                  <a:srgbClr val="003399"/>
+                </a:solidFill>
+                <a:latin typeface="Segoe Print" panose="02000600000000000000" pitchFamily="2" charset="0"/>
+              </a:rPr>
+              <a:t>r</a:t>
+            </a:r>
+            <a:r>
+              <a:rPr lang="en-CH" sz="1000" dirty="0">
+                <a:solidFill>
+                  <a:srgbClr val="003399"/>
+                </a:solidFill>
+                <a:latin typeface="Segoe Print" panose="02000600000000000000" pitchFamily="2" charset="0"/>
+              </a:rPr>
+              <a:t>s </a:t>
+            </a:r>
+            <a:r>
+              <a:rPr lang="de-CH" sz="1000" dirty="0">
+                <a:solidFill>
+                  <a:srgbClr val="003399"/>
+                </a:solidFill>
+                <a:latin typeface="Segoe Print" panose="02000600000000000000" pitchFamily="2" charset="0"/>
+              </a:rPr>
+              <a:t>i</a:t>
+            </a:r>
+            <a:r>
+              <a:rPr lang="en-CH" sz="1000" dirty="0">
+                <a:solidFill>
+                  <a:srgbClr val="003399"/>
+                </a:solidFill>
+                <a:latin typeface="Segoe Print" panose="02000600000000000000" pitchFamily="2" charset="0"/>
+              </a:rPr>
+              <a:t>s </a:t>
+            </a:r>
+            <a:r>
+              <a:rPr lang="de-CH" sz="1000" dirty="0">
+                <a:solidFill>
+                  <a:srgbClr val="003399"/>
+                </a:solidFill>
+                <a:latin typeface="Segoe Print" panose="02000600000000000000" pitchFamily="2" charset="0"/>
+              </a:rPr>
+              <a:t>m</a:t>
+            </a:r>
+            <a:r>
+              <a:rPr lang="en-CH" sz="1000" dirty="0">
+                <a:solidFill>
+                  <a:srgbClr val="003399"/>
+                </a:solidFill>
+                <a:latin typeface="Segoe Print" panose="02000600000000000000" pitchFamily="2" charset="0"/>
+              </a:rPr>
+              <a:t>u</a:t>
+            </a:r>
+            <a:r>
+              <a:rPr lang="de-CH" sz="1000" dirty="0">
+                <a:solidFill>
+                  <a:srgbClr val="003399"/>
+                </a:solidFill>
+                <a:latin typeface="Segoe Print" panose="02000600000000000000" pitchFamily="2" charset="0"/>
+              </a:rPr>
+              <a:t>c</a:t>
+            </a:r>
+            <a:r>
+              <a:rPr lang="en-CH" sz="1000" dirty="0">
+                <a:solidFill>
+                  <a:srgbClr val="003399"/>
+                </a:solidFill>
+                <a:latin typeface="Segoe Print" panose="02000600000000000000" pitchFamily="2" charset="0"/>
+              </a:rPr>
+              <a:t>h </a:t>
+            </a:r>
+            <a:r>
+              <a:rPr lang="de-CH" sz="1000" dirty="0">
+                <a:solidFill>
+                  <a:srgbClr val="003399"/>
+                </a:solidFill>
+                <a:latin typeface="Segoe Print" panose="02000600000000000000" pitchFamily="2" charset="0"/>
+              </a:rPr>
+              <a:t>e</a:t>
+            </a:r>
+            <a:r>
+              <a:rPr lang="en-CH" sz="1000" dirty="0">
+                <a:solidFill>
+                  <a:srgbClr val="003399"/>
+                </a:solidFill>
+                <a:latin typeface="Segoe Print" panose="02000600000000000000" pitchFamily="2" charset="0"/>
+              </a:rPr>
+              <a:t>a</a:t>
+            </a:r>
+            <a:r>
+              <a:rPr lang="de-CH" sz="1000" dirty="0">
+                <a:solidFill>
+                  <a:srgbClr val="003399"/>
+                </a:solidFill>
+                <a:latin typeface="Segoe Print" panose="02000600000000000000" pitchFamily="2" charset="0"/>
+              </a:rPr>
+              <a:t>s</a:t>
+            </a:r>
+            <a:r>
+              <a:rPr lang="en-CH" sz="1000" dirty="0" err="1">
+                <a:solidFill>
+                  <a:srgbClr val="003399"/>
+                </a:solidFill>
+                <a:latin typeface="Segoe Print" panose="02000600000000000000" pitchFamily="2" charset="0"/>
+              </a:rPr>
+              <a:t>i</a:t>
+            </a:r>
+            <a:r>
+              <a:rPr lang="de-CH" sz="1000" dirty="0">
+                <a:solidFill>
+                  <a:srgbClr val="003399"/>
+                </a:solidFill>
+                <a:latin typeface="Segoe Print" panose="02000600000000000000" pitchFamily="2" charset="0"/>
+              </a:rPr>
+              <a:t>e</a:t>
+            </a:r>
+            <a:r>
+              <a:rPr lang="en-CH" sz="1000" dirty="0">
+                <a:solidFill>
+                  <a:srgbClr val="003399"/>
+                </a:solidFill>
+                <a:latin typeface="Segoe Print" panose="02000600000000000000" pitchFamily="2" charset="0"/>
+              </a:rPr>
+              <a:t>r </a:t>
+            </a:r>
+            <a:r>
+              <a:rPr lang="de-CH" sz="1000" dirty="0">
+                <a:solidFill>
+                  <a:srgbClr val="003399"/>
+                </a:solidFill>
+                <a:latin typeface="Segoe Print" panose="02000600000000000000" pitchFamily="2" charset="0"/>
+              </a:rPr>
+              <a:t>t</a:t>
+            </a:r>
+            <a:r>
+              <a:rPr lang="en-CH" sz="1000" dirty="0">
+                <a:solidFill>
+                  <a:srgbClr val="003399"/>
+                </a:solidFill>
+                <a:latin typeface="Segoe Print" panose="02000600000000000000" pitchFamily="2" charset="0"/>
+              </a:rPr>
+              <a:t>o </a:t>
+            </a:r>
+            <a:r>
+              <a:rPr lang="de-CH" sz="1000" dirty="0">
+                <a:solidFill>
+                  <a:srgbClr val="003399"/>
+                </a:solidFill>
+                <a:latin typeface="Segoe Print" panose="02000600000000000000" pitchFamily="2" charset="0"/>
+              </a:rPr>
+              <a:t>m</a:t>
+            </a:r>
+            <a:r>
+              <a:rPr lang="en-CH" sz="1000" dirty="0">
+                <a:solidFill>
+                  <a:srgbClr val="003399"/>
+                </a:solidFill>
+                <a:latin typeface="Segoe Print" panose="02000600000000000000" pitchFamily="2" charset="0"/>
+              </a:rPr>
+              <a:t>a</a:t>
+            </a:r>
+            <a:r>
+              <a:rPr lang="de-CH" sz="1000" dirty="0">
+                <a:solidFill>
+                  <a:srgbClr val="003399"/>
+                </a:solidFill>
+                <a:latin typeface="Segoe Print" panose="02000600000000000000" pitchFamily="2" charset="0"/>
+              </a:rPr>
+              <a:t>n</a:t>
+            </a:r>
+            <a:r>
+              <a:rPr lang="en-CH" sz="1000" dirty="0">
+                <a:solidFill>
+                  <a:srgbClr val="003399"/>
+                </a:solidFill>
+                <a:latin typeface="Segoe Print" panose="02000600000000000000" pitchFamily="2" charset="0"/>
+              </a:rPr>
+              <a:t>a</a:t>
+            </a:r>
+            <a:r>
+              <a:rPr lang="de-CH" sz="1000" dirty="0">
+                <a:solidFill>
+                  <a:srgbClr val="003399"/>
+                </a:solidFill>
+                <a:latin typeface="Segoe Print" panose="02000600000000000000" pitchFamily="2" charset="0"/>
+              </a:rPr>
+              <a:t>g</a:t>
+            </a:r>
+            <a:r>
+              <a:rPr lang="en-CH" sz="1000" dirty="0">
+                <a:solidFill>
+                  <a:srgbClr val="003399"/>
+                </a:solidFill>
+                <a:latin typeface="Segoe Print" panose="02000600000000000000" pitchFamily="2" charset="0"/>
+              </a:rPr>
+              <a:t>e </a:t>
+            </a:r>
+            <a:r>
+              <a:rPr lang="de-CH" sz="1000" dirty="0">
+                <a:solidFill>
+                  <a:srgbClr val="003399"/>
+                </a:solidFill>
+                <a:latin typeface="Segoe Print" panose="02000600000000000000" pitchFamily="2" charset="0"/>
+              </a:rPr>
+              <a:t>t</a:t>
+            </a:r>
+            <a:r>
+              <a:rPr lang="en-CH" sz="1000" dirty="0">
+                <a:solidFill>
+                  <a:srgbClr val="003399"/>
+                </a:solidFill>
+                <a:latin typeface="Segoe Print" panose="02000600000000000000" pitchFamily="2" charset="0"/>
+              </a:rPr>
+              <a:t>h</a:t>
+            </a:r>
+            <a:r>
+              <a:rPr lang="de-CH" sz="1000" dirty="0">
+                <a:solidFill>
+                  <a:srgbClr val="003399"/>
+                </a:solidFill>
+                <a:latin typeface="Segoe Print" panose="02000600000000000000" pitchFamily="2" charset="0"/>
+              </a:rPr>
+              <a:t>e</a:t>
+            </a:r>
+            <a:r>
+              <a:rPr lang="en-CH" sz="1000" dirty="0">
+                <a:solidFill>
+                  <a:srgbClr val="003399"/>
+                </a:solidFill>
+                <a:latin typeface="Segoe Print" panose="02000600000000000000" pitchFamily="2" charset="0"/>
+              </a:rPr>
+              <a:t> cooking </a:t>
+            </a:r>
+            <a:r>
+              <a:rPr lang="de-CH" sz="1000" dirty="0">
+                <a:solidFill>
+                  <a:srgbClr val="003399"/>
+                </a:solidFill>
+                <a:latin typeface="Segoe Print" panose="02000600000000000000" pitchFamily="2" charset="0"/>
+              </a:rPr>
+              <a:t>v</a:t>
+            </a:r>
+            <a:r>
+              <a:rPr lang="en-CH" sz="1000" dirty="0">
+                <a:solidFill>
+                  <a:srgbClr val="003399"/>
+                </a:solidFill>
+                <a:latin typeface="Segoe Print" panose="02000600000000000000" pitchFamily="2" charset="0"/>
+              </a:rPr>
+              <a:t>o</a:t>
+            </a:r>
+            <a:r>
+              <a:rPr lang="de-CH" sz="1000" dirty="0">
+                <a:solidFill>
+                  <a:srgbClr val="003399"/>
+                </a:solidFill>
+                <a:latin typeface="Segoe Print" panose="02000600000000000000" pitchFamily="2" charset="0"/>
+              </a:rPr>
+              <a:t>l</a:t>
+            </a:r>
+            <a:r>
+              <a:rPr lang="en-CH" sz="1000" dirty="0">
+                <a:solidFill>
+                  <a:srgbClr val="003399"/>
+                </a:solidFill>
+                <a:latin typeface="Segoe Print" panose="02000600000000000000" pitchFamily="2" charset="0"/>
+              </a:rPr>
+              <a:t>u</a:t>
+            </a:r>
+            <a:r>
+              <a:rPr lang="de-CH" sz="1000" dirty="0">
+                <a:solidFill>
+                  <a:srgbClr val="003399"/>
+                </a:solidFill>
+                <a:latin typeface="Segoe Print" panose="02000600000000000000" pitchFamily="2" charset="0"/>
+              </a:rPr>
+              <a:t>m</a:t>
+            </a:r>
+            <a:r>
+              <a:rPr lang="en-CH" sz="1000" dirty="0">
+                <a:solidFill>
+                  <a:srgbClr val="003399"/>
+                </a:solidFill>
+                <a:latin typeface="Segoe Print" panose="02000600000000000000" pitchFamily="2" charset="0"/>
+              </a:rPr>
+              <a:t>e and </a:t>
+            </a:r>
+            <a:r>
+              <a:rPr lang="en-CH" sz="1000" dirty="0" err="1">
+                <a:solidFill>
+                  <a:srgbClr val="003399"/>
+                </a:solidFill>
+                <a:latin typeface="Segoe Print" panose="02000600000000000000" pitchFamily="2" charset="0"/>
+              </a:rPr>
+              <a:t>stre</a:t>
+            </a:r>
+            <a:r>
+              <a:rPr lang="de-CH" sz="1000" dirty="0">
+                <a:solidFill>
+                  <a:srgbClr val="003399"/>
+                </a:solidFill>
+                <a:latin typeface="Segoe Print" panose="02000600000000000000" pitchFamily="2" charset="0"/>
+              </a:rPr>
+              <a:t>s</a:t>
+            </a:r>
+            <a:r>
+              <a:rPr lang="en-CH" sz="1000" dirty="0">
+                <a:solidFill>
+                  <a:srgbClr val="003399"/>
+                </a:solidFill>
+                <a:latin typeface="Segoe Print" panose="02000600000000000000" pitchFamily="2" charset="0"/>
+              </a:rPr>
+              <a:t>s level</a:t>
+            </a:r>
+            <a:endParaRPr lang="de-CH" sz="1000" dirty="0">
+              <a:solidFill>
+                <a:srgbClr val="003399"/>
+              </a:solidFill>
+              <a:latin typeface="Segoe Print" panose="02000600000000000000" pitchFamily="2" charset="0"/>
+            </a:endParaRPr>
+          </a:p>
+        </p:txBody>
+      </p:sp>
+      <p:sp>
+        <p:nvSpPr>
+          <p:cNvPr id="24" name="TextBox 23">
+            <a:extLst>
+              <a:ext uri="{FF2B5EF4-FFF2-40B4-BE49-F238E27FC236}">
+                <a16:creationId xmlns:a16="http://schemas.microsoft.com/office/drawing/2014/main" id="{C2474DC0-163A-4A16-9598-24FC5D864E43}"/>
+              </a:ext>
+            </a:extLst>
+          </p:cNvPr>
+          <p:cNvSpPr txBox="1"/>
+          <p:nvPr/>
+        </p:nvSpPr>
+        <p:spPr>
+          <a:xfrm>
+            <a:off x="1873506" y="4266931"/>
+            <a:ext cx="1157469" cy="370548"/>
+          </a:xfrm>
+          <a:prstGeom prst="foldedCorner">
+            <a:avLst/>
+          </a:prstGeom>
+          <a:solidFill>
+            <a:schemeClr val="accent2">
+              <a:lumMod val="60000"/>
+              <a:lumOff val="40000"/>
+            </a:schemeClr>
+          </a:solidFill>
+        </p:spPr>
+        <p:txBody>
+          <a:bodyPr wrap="square" lIns="36000" tIns="36000" rIns="36000" bIns="36000" rtlCol="0" anchor="ctr" anchorCtr="0">
+            <a:noAutofit/>
+          </a:bodyPr>
+          <a:lstStyle/>
+          <a:p>
+            <a:r>
+              <a:rPr lang="en-CH" sz="1000" dirty="0">
+                <a:solidFill>
+                  <a:srgbClr val="003399"/>
+                </a:solidFill>
+                <a:latin typeface="Segoe Print" panose="02000600000000000000" pitchFamily="2" charset="0"/>
+              </a:rPr>
+              <a:t>N</a:t>
+            </a:r>
+            <a:r>
+              <a:rPr lang="de-CH" sz="1000" dirty="0">
+                <a:solidFill>
+                  <a:srgbClr val="003399"/>
+                </a:solidFill>
+                <a:latin typeface="Segoe Print" panose="02000600000000000000" pitchFamily="2" charset="0"/>
+              </a:rPr>
+              <a:t>o</a:t>
+            </a:r>
+            <a:r>
+              <a:rPr lang="en-CH" sz="1000" dirty="0">
+                <a:solidFill>
+                  <a:srgbClr val="003399"/>
+                </a:solidFill>
+                <a:latin typeface="Segoe Print" panose="02000600000000000000" pitchFamily="2" charset="0"/>
+              </a:rPr>
+              <a:t> </a:t>
+            </a:r>
+            <a:r>
+              <a:rPr lang="de-CH" sz="1000" dirty="0">
+                <a:solidFill>
+                  <a:srgbClr val="003399"/>
+                </a:solidFill>
+                <a:latin typeface="Segoe Print" panose="02000600000000000000" pitchFamily="2" charset="0"/>
+              </a:rPr>
+              <a:t>Wa</a:t>
+            </a:r>
+            <a:r>
+              <a:rPr lang="en-CH" sz="1000" dirty="0" err="1">
+                <a:solidFill>
+                  <a:srgbClr val="003399"/>
+                </a:solidFill>
+                <a:latin typeface="Segoe Print" panose="02000600000000000000" pitchFamily="2" charset="0"/>
+              </a:rPr>
+              <a:t>i</a:t>
+            </a:r>
+            <a:r>
+              <a:rPr lang="de-CH" sz="1000" dirty="0">
+                <a:solidFill>
+                  <a:srgbClr val="003399"/>
+                </a:solidFill>
+                <a:latin typeface="Segoe Print" panose="02000600000000000000" pitchFamily="2" charset="0"/>
+              </a:rPr>
+              <a:t>t</a:t>
+            </a:r>
+            <a:r>
+              <a:rPr lang="en-CH" sz="1000" dirty="0" err="1">
+                <a:solidFill>
+                  <a:srgbClr val="003399"/>
+                </a:solidFill>
+                <a:latin typeface="Segoe Print" panose="02000600000000000000" pitchFamily="2" charset="0"/>
+              </a:rPr>
+              <a:t>i</a:t>
+            </a:r>
+            <a:r>
+              <a:rPr lang="de-CH" sz="1000" dirty="0">
+                <a:solidFill>
+                  <a:srgbClr val="003399"/>
+                </a:solidFill>
+                <a:latin typeface="Segoe Print" panose="02000600000000000000" pitchFamily="2" charset="0"/>
+              </a:rPr>
+              <a:t>n</a:t>
+            </a:r>
+            <a:r>
+              <a:rPr lang="en-CH" sz="1000" dirty="0">
+                <a:solidFill>
+                  <a:srgbClr val="003399"/>
+                </a:solidFill>
+                <a:latin typeface="Segoe Print" panose="02000600000000000000" pitchFamily="2" charset="0"/>
+              </a:rPr>
+              <a:t>g </a:t>
+            </a:r>
+            <a:r>
+              <a:rPr lang="de-CH" sz="1000" dirty="0">
+                <a:solidFill>
+                  <a:srgbClr val="003399"/>
+                </a:solidFill>
+                <a:latin typeface="Segoe Print" panose="02000600000000000000" pitchFamily="2" charset="0"/>
+              </a:rPr>
+              <a:t>t</a:t>
+            </a:r>
+            <a:r>
+              <a:rPr lang="en-CH" sz="1000" dirty="0" err="1">
+                <a:solidFill>
+                  <a:srgbClr val="003399"/>
+                </a:solidFill>
+                <a:latin typeface="Segoe Print" panose="02000600000000000000" pitchFamily="2" charset="0"/>
+              </a:rPr>
+              <a:t>i</a:t>
+            </a:r>
+            <a:r>
+              <a:rPr lang="de-CH" sz="1000" dirty="0">
+                <a:solidFill>
+                  <a:srgbClr val="003399"/>
+                </a:solidFill>
+                <a:latin typeface="Segoe Print" panose="02000600000000000000" pitchFamily="2" charset="0"/>
+              </a:rPr>
+              <a:t>m</a:t>
+            </a:r>
+            <a:r>
+              <a:rPr lang="en-CH" sz="1000" dirty="0">
+                <a:solidFill>
+                  <a:srgbClr val="003399"/>
+                </a:solidFill>
+                <a:latin typeface="Segoe Print" panose="02000600000000000000" pitchFamily="2" charset="0"/>
+              </a:rPr>
+              <a:t>e</a:t>
+            </a:r>
+            <a:endParaRPr lang="de-CH" sz="1000" dirty="0">
+              <a:solidFill>
+                <a:srgbClr val="003399"/>
+              </a:solidFill>
+              <a:latin typeface="Segoe Print" panose="02000600000000000000" pitchFamily="2" charset="0"/>
+            </a:endParaRPr>
+          </a:p>
+        </p:txBody>
+      </p:sp>
+      <p:sp>
+        <p:nvSpPr>
+          <p:cNvPr id="25" name="TextBox 24">
+            <a:extLst>
+              <a:ext uri="{FF2B5EF4-FFF2-40B4-BE49-F238E27FC236}">
+                <a16:creationId xmlns:a16="http://schemas.microsoft.com/office/drawing/2014/main" id="{295DE4D0-F6DD-4C32-ADB2-EB6C39BAE9D0}"/>
+              </a:ext>
+            </a:extLst>
+          </p:cNvPr>
+          <p:cNvSpPr txBox="1"/>
+          <p:nvPr/>
+        </p:nvSpPr>
+        <p:spPr>
+          <a:xfrm>
+            <a:off x="3343611" y="5294271"/>
+            <a:ext cx="1157469" cy="573763"/>
+          </a:xfrm>
+          <a:prstGeom prst="foldedCorner">
+            <a:avLst/>
+          </a:prstGeom>
+          <a:solidFill>
+            <a:schemeClr val="accent2">
+              <a:lumMod val="60000"/>
+              <a:lumOff val="40000"/>
+            </a:schemeClr>
+          </a:solidFill>
+        </p:spPr>
+        <p:txBody>
+          <a:bodyPr wrap="square" lIns="36000" tIns="36000" rIns="36000" bIns="36000" rtlCol="0" anchor="ctr" anchorCtr="0">
+            <a:noAutofit/>
+          </a:bodyPr>
+          <a:lstStyle/>
+          <a:p>
+            <a:r>
+              <a:rPr lang="de-CH" sz="1000" dirty="0">
+                <a:solidFill>
+                  <a:srgbClr val="003399"/>
+                </a:solidFill>
+                <a:latin typeface="Segoe Print" panose="02000600000000000000" pitchFamily="2" charset="0"/>
+              </a:rPr>
+              <a:t>P</a:t>
+            </a:r>
+            <a:r>
+              <a:rPr lang="en-CH" sz="1000" dirty="0">
+                <a:solidFill>
+                  <a:srgbClr val="003399"/>
+                </a:solidFill>
+                <a:latin typeface="Segoe Print" panose="02000600000000000000" pitchFamily="2" charset="0"/>
+              </a:rPr>
+              <a:t>r</a:t>
+            </a:r>
+            <a:r>
+              <a:rPr lang="de-CH" sz="1000" dirty="0">
+                <a:solidFill>
+                  <a:srgbClr val="003399"/>
+                </a:solidFill>
+                <a:latin typeface="Segoe Print" panose="02000600000000000000" pitchFamily="2" charset="0"/>
+              </a:rPr>
+              <a:t>e</a:t>
+            </a:r>
+            <a:r>
+              <a:rPr lang="en-CH" sz="1000" dirty="0">
+                <a:solidFill>
+                  <a:srgbClr val="003399"/>
+                </a:solidFill>
+                <a:latin typeface="Segoe Print" panose="02000600000000000000" pitchFamily="2" charset="0"/>
+              </a:rPr>
+              <a:t>d</a:t>
+            </a:r>
+            <a:r>
+              <a:rPr lang="de-CH" sz="1000" dirty="0">
+                <a:solidFill>
+                  <a:srgbClr val="003399"/>
+                </a:solidFill>
+                <a:latin typeface="Segoe Print" panose="02000600000000000000" pitchFamily="2" charset="0"/>
+              </a:rPr>
+              <a:t>i</a:t>
+            </a:r>
+            <a:r>
+              <a:rPr lang="en-CH" sz="1000" dirty="0">
+                <a:solidFill>
+                  <a:srgbClr val="003399"/>
+                </a:solidFill>
+                <a:latin typeface="Segoe Print" panose="02000600000000000000" pitchFamily="2" charset="0"/>
+              </a:rPr>
+              <a:t>c</a:t>
+            </a:r>
+            <a:r>
+              <a:rPr lang="de-CH" sz="1000" dirty="0">
+                <a:solidFill>
+                  <a:srgbClr val="003399"/>
+                </a:solidFill>
+                <a:latin typeface="Segoe Print" panose="02000600000000000000" pitchFamily="2" charset="0"/>
+              </a:rPr>
+              <a:t>t</a:t>
+            </a:r>
+            <a:r>
+              <a:rPr lang="en-CH" sz="1000" dirty="0">
+                <a:solidFill>
+                  <a:srgbClr val="003399"/>
+                </a:solidFill>
+                <a:latin typeface="Segoe Print" panose="02000600000000000000" pitchFamily="2" charset="0"/>
+              </a:rPr>
+              <a:t>a</a:t>
+            </a:r>
+            <a:r>
+              <a:rPr lang="de-CH" sz="1000" dirty="0">
+                <a:solidFill>
+                  <a:srgbClr val="003399"/>
+                </a:solidFill>
+                <a:latin typeface="Segoe Print" panose="02000600000000000000" pitchFamily="2" charset="0"/>
+              </a:rPr>
+              <a:t>b</a:t>
+            </a:r>
+            <a:r>
+              <a:rPr lang="en-CH" sz="1000" dirty="0">
+                <a:solidFill>
+                  <a:srgbClr val="003399"/>
+                </a:solidFill>
+                <a:latin typeface="Segoe Print" panose="02000600000000000000" pitchFamily="2" charset="0"/>
+              </a:rPr>
+              <a:t>l</a:t>
+            </a:r>
+            <a:r>
+              <a:rPr lang="de-CH" sz="1000" dirty="0">
+                <a:solidFill>
+                  <a:srgbClr val="003399"/>
+                </a:solidFill>
+                <a:latin typeface="Segoe Print" panose="02000600000000000000" pitchFamily="2" charset="0"/>
+              </a:rPr>
+              <a:t>e</a:t>
+            </a:r>
+            <a:r>
+              <a:rPr lang="en-CH" sz="1000" dirty="0">
+                <a:solidFill>
+                  <a:srgbClr val="003399"/>
+                </a:solidFill>
+                <a:latin typeface="Segoe Print" panose="02000600000000000000" pitchFamily="2" charset="0"/>
+              </a:rPr>
+              <a:t> Cooking volume via Pre Orders</a:t>
+            </a:r>
+            <a:endParaRPr lang="de-CH" sz="1000" dirty="0">
+              <a:solidFill>
+                <a:srgbClr val="003399"/>
+              </a:solidFill>
+              <a:latin typeface="Segoe Print" panose="02000600000000000000" pitchFamily="2" charset="0"/>
+            </a:endParaRPr>
+          </a:p>
+        </p:txBody>
+      </p:sp>
+      <p:sp>
+        <p:nvSpPr>
+          <p:cNvPr id="26" name="TextBox 25">
+            <a:extLst>
+              <a:ext uri="{FF2B5EF4-FFF2-40B4-BE49-F238E27FC236}">
+                <a16:creationId xmlns:a16="http://schemas.microsoft.com/office/drawing/2014/main" id="{7B597977-05E2-4DB6-8D28-201E6478AEEE}"/>
+              </a:ext>
+            </a:extLst>
+          </p:cNvPr>
+          <p:cNvSpPr txBox="1"/>
+          <p:nvPr/>
+        </p:nvSpPr>
+        <p:spPr>
+          <a:xfrm>
+            <a:off x="8225966" y="2816372"/>
+            <a:ext cx="1157469" cy="372747"/>
+          </a:xfrm>
+          <a:prstGeom prst="foldedCorner">
+            <a:avLst/>
+          </a:prstGeom>
+          <a:solidFill>
+            <a:srgbClr val="FFFF99"/>
+          </a:solidFill>
+        </p:spPr>
+        <p:txBody>
+          <a:bodyPr wrap="square" lIns="36000" tIns="36000" rIns="36000" bIns="36000" rtlCol="0" anchor="ctr" anchorCtr="0">
+            <a:noAutofit/>
+          </a:bodyPr>
+          <a:lstStyle/>
+          <a:p>
+            <a:r>
+              <a:rPr lang="de-CH" sz="1000" dirty="0">
+                <a:solidFill>
+                  <a:srgbClr val="003399"/>
+                </a:solidFill>
+                <a:latin typeface="Segoe Print" panose="02000600000000000000" pitchFamily="2" charset="0"/>
+              </a:rPr>
+              <a:t>C</a:t>
+            </a:r>
+            <a:r>
+              <a:rPr lang="en-CH" sz="1000" dirty="0">
+                <a:solidFill>
+                  <a:srgbClr val="003399"/>
+                </a:solidFill>
+                <a:latin typeface="Segoe Print" panose="02000600000000000000" pitchFamily="2" charset="0"/>
+              </a:rPr>
+              <a:t>o</a:t>
+            </a:r>
+            <a:r>
+              <a:rPr lang="de-CH" sz="1000" dirty="0">
+                <a:solidFill>
+                  <a:srgbClr val="003399"/>
+                </a:solidFill>
+                <a:latin typeface="Segoe Print" panose="02000600000000000000" pitchFamily="2" charset="0"/>
+              </a:rPr>
+              <a:t>o</a:t>
+            </a:r>
+            <a:r>
+              <a:rPr lang="en-CH" sz="1000" dirty="0">
+                <a:solidFill>
+                  <a:srgbClr val="003399"/>
+                </a:solidFill>
+                <a:latin typeface="Segoe Print" panose="02000600000000000000" pitchFamily="2" charset="0"/>
+              </a:rPr>
+              <a:t>k </a:t>
+            </a:r>
+            <a:r>
+              <a:rPr lang="de-CH" sz="1000" dirty="0">
+                <a:solidFill>
+                  <a:srgbClr val="003399"/>
+                </a:solidFill>
+                <a:latin typeface="Segoe Print" panose="02000600000000000000" pitchFamily="2" charset="0"/>
+              </a:rPr>
+              <a:t>t</a:t>
+            </a:r>
+            <a:r>
+              <a:rPr lang="en-CH" sz="1000" dirty="0">
+                <a:solidFill>
+                  <a:srgbClr val="003399"/>
+                </a:solidFill>
+                <a:latin typeface="Segoe Print" panose="02000600000000000000" pitchFamily="2" charset="0"/>
+              </a:rPr>
+              <a:t>h</a:t>
+            </a:r>
+            <a:r>
+              <a:rPr lang="de-CH" sz="1000" dirty="0">
+                <a:solidFill>
+                  <a:srgbClr val="003399"/>
+                </a:solidFill>
+                <a:latin typeface="Segoe Print" panose="02000600000000000000" pitchFamily="2" charset="0"/>
+              </a:rPr>
+              <a:t>e</a:t>
+            </a:r>
+            <a:r>
+              <a:rPr lang="en-CH" sz="1000" dirty="0">
+                <a:solidFill>
+                  <a:srgbClr val="003399"/>
+                </a:solidFill>
+                <a:latin typeface="Segoe Print" panose="02000600000000000000" pitchFamily="2" charset="0"/>
+              </a:rPr>
+              <a:t> </a:t>
+            </a:r>
+            <a:r>
+              <a:rPr lang="de-CH" sz="1000" dirty="0">
+                <a:solidFill>
+                  <a:srgbClr val="003399"/>
+                </a:solidFill>
+                <a:latin typeface="Segoe Print" panose="02000600000000000000" pitchFamily="2" charset="0"/>
+              </a:rPr>
+              <a:t>M</a:t>
+            </a:r>
+            <a:r>
+              <a:rPr lang="en-CH" sz="1000" dirty="0">
+                <a:solidFill>
+                  <a:srgbClr val="003399"/>
+                </a:solidFill>
+                <a:latin typeface="Segoe Print" panose="02000600000000000000" pitchFamily="2" charset="0"/>
+              </a:rPr>
+              <a:t>e</a:t>
+            </a:r>
+            <a:r>
+              <a:rPr lang="de-CH" sz="1000" dirty="0">
+                <a:solidFill>
+                  <a:srgbClr val="003399"/>
+                </a:solidFill>
+                <a:latin typeface="Segoe Print" panose="02000600000000000000" pitchFamily="2" charset="0"/>
+              </a:rPr>
+              <a:t>a</a:t>
+            </a:r>
+            <a:r>
+              <a:rPr lang="en-CH" sz="1000" dirty="0">
+                <a:solidFill>
+                  <a:srgbClr val="003399"/>
+                </a:solidFill>
+                <a:latin typeface="Segoe Print" panose="02000600000000000000" pitchFamily="2" charset="0"/>
+              </a:rPr>
+              <a:t>l</a:t>
+            </a:r>
+            <a:endParaRPr lang="de-CH" sz="1000" dirty="0">
+              <a:solidFill>
+                <a:srgbClr val="003399"/>
+              </a:solidFill>
+              <a:latin typeface="Segoe Print" panose="02000600000000000000" pitchFamily="2" charset="0"/>
+            </a:endParaRPr>
+          </a:p>
+        </p:txBody>
+      </p:sp>
+      <p:sp>
+        <p:nvSpPr>
+          <p:cNvPr id="27" name="TextBox 26">
+            <a:extLst>
+              <a:ext uri="{FF2B5EF4-FFF2-40B4-BE49-F238E27FC236}">
+                <a16:creationId xmlns:a16="http://schemas.microsoft.com/office/drawing/2014/main" id="{9EE001E7-DB64-4062-8D85-324476ACED04}"/>
+              </a:ext>
+            </a:extLst>
+          </p:cNvPr>
+          <p:cNvSpPr txBox="1"/>
+          <p:nvPr/>
+        </p:nvSpPr>
+        <p:spPr>
+          <a:xfrm>
+            <a:off x="2923990" y="1759790"/>
+            <a:ext cx="1290233" cy="390887"/>
+          </a:xfrm>
+          <a:prstGeom prst="foldedCorner">
+            <a:avLst/>
+          </a:prstGeom>
+          <a:solidFill>
+            <a:schemeClr val="accent6">
+              <a:lumMod val="60000"/>
+              <a:lumOff val="40000"/>
+            </a:schemeClr>
+          </a:solidFill>
+          <a:ln>
+            <a:noFill/>
+          </a:ln>
+        </p:spPr>
+        <p:txBody>
+          <a:bodyPr wrap="square" lIns="36000" tIns="36000" rIns="36000" bIns="36000" rtlCol="0" anchor="ctr" anchorCtr="0">
+            <a:noAutofit/>
+          </a:bodyPr>
+          <a:lstStyle/>
+          <a:p>
+            <a:r>
+              <a:rPr lang="en-CH" sz="1000" dirty="0">
+                <a:solidFill>
+                  <a:srgbClr val="003399"/>
+                </a:solidFill>
+                <a:latin typeface="Segoe Print" panose="02000600000000000000" pitchFamily="2" charset="0"/>
+              </a:rPr>
+              <a:t>24/7 Service</a:t>
+            </a:r>
+          </a:p>
+        </p:txBody>
+      </p:sp>
+    </p:spTree>
+    <p:extLst>
+      <p:ext uri="{BB962C8B-B14F-4D97-AF65-F5344CB8AC3E}">
+        <p14:creationId xmlns:p14="http://schemas.microsoft.com/office/powerpoint/2010/main" val="558732876"/>
       </p:ext>
     </p:extLst>
   </p:cSld>
